--- a/ClassMaterials/Polymorphism/Slides/Part4-FinalProjectReminders.pptx
+++ b/ClassMaterials/Polymorphism/Slides/Part4-FinalProjectReminders.pptx
@@ -5,13 +5,15 @@
     <p:sldMasterId id="2147483648" r:id="rId1"/>
   </p:sldMasterIdLst>
   <p:notesMasterIdLst>
-    <p:notesMasterId r:id="rId6"/>
+    <p:notesMasterId r:id="rId8"/>
   </p:notesMasterIdLst>
   <p:sldIdLst>
     <p:sldId id="434" r:id="rId2"/>
     <p:sldId id="435" r:id="rId3"/>
     <p:sldId id="436" r:id="rId4"/>
-    <p:sldId id="437" r:id="rId5"/>
+    <p:sldId id="438" r:id="rId5"/>
+    <p:sldId id="439" r:id="rId6"/>
+    <p:sldId id="440" r:id="rId7"/>
   </p:sldIdLst>
   <p:sldSz cx="12192000" cy="6858000"/>
   <p:notesSz cx="6858000" cy="9144000"/>
@@ -110,7 +112,277 @@
       </a:defRPr>
     </a:lvl9pPr>
   </p:defaultTextStyle>
+  <p:extLst>
+    <p:ext uri="{EFAFB233-063F-42B5-8137-9DF3F51BA10A}">
+      <p15:sldGuideLst xmlns:p15="http://schemas.microsoft.com/office/powerpoint/2012/main"/>
+    </p:ext>
+  </p:extLst>
 </p:presentation>
+</file>
+
+<file path=ppt/changesInfos/changesInfo1.xml><?xml version="1.0" encoding="utf-8"?>
+<pc:chgInfo xmlns:a="http://schemas.openxmlformats.org/drawingml/2006/main" xmlns:r="http://schemas.openxmlformats.org/officeDocument/2006/relationships" xmlns:ac="http://schemas.microsoft.com/office/drawing/2013/main/command" xmlns:pc="http://schemas.microsoft.com/office/powerpoint/2013/main/command">
+  <pc:docChgLst>
+    <pc:chgData name="Yoder, Jason" userId="28f4d4d8-da04-4f86-b14d-a21675737bc5" providerId="ADAL" clId="{681BC63D-2928-4579-B691-57EC26AE0CF5}"/>
+    <pc:docChg chg="custSel modSld">
+      <pc:chgData name="Yoder, Jason" userId="28f4d4d8-da04-4f86-b14d-a21675737bc5" providerId="ADAL" clId="{681BC63D-2928-4579-B691-57EC26AE0CF5}" dt="2023-11-20T22:03:47.156" v="12" actId="20577"/>
+      <pc:docMkLst>
+        <pc:docMk/>
+      </pc:docMkLst>
+      <pc:sldChg chg="modSp mod">
+        <pc:chgData name="Yoder, Jason" userId="28f4d4d8-da04-4f86-b14d-a21675737bc5" providerId="ADAL" clId="{681BC63D-2928-4579-B691-57EC26AE0CF5}" dt="2023-11-20T22:01:59.045" v="2" actId="20577"/>
+        <pc:sldMkLst>
+          <pc:docMk/>
+          <pc:sldMk cId="2879748146" sldId="439"/>
+        </pc:sldMkLst>
+        <pc:spChg chg="mod">
+          <ac:chgData name="Yoder, Jason" userId="28f4d4d8-da04-4f86-b14d-a21675737bc5" providerId="ADAL" clId="{681BC63D-2928-4579-B691-57EC26AE0CF5}" dt="2023-11-20T22:01:59.045" v="2" actId="20577"/>
+          <ac:spMkLst>
+            <pc:docMk/>
+            <pc:sldMk cId="2879748146" sldId="439"/>
+            <ac:spMk id="2" creationId="{EC3DB8A3-B7D5-A402-3503-2FFC39F2BA74}"/>
+          </ac:spMkLst>
+        </pc:spChg>
+      </pc:sldChg>
+      <pc:sldChg chg="addSp delSp modSp mod">
+        <pc:chgData name="Yoder, Jason" userId="28f4d4d8-da04-4f86-b14d-a21675737bc5" providerId="ADAL" clId="{681BC63D-2928-4579-B691-57EC26AE0CF5}" dt="2023-11-20T22:03:47.156" v="12" actId="20577"/>
+        <pc:sldMkLst>
+          <pc:docMk/>
+          <pc:sldMk cId="623651849" sldId="440"/>
+        </pc:sldMkLst>
+        <pc:spChg chg="mod">
+          <ac:chgData name="Yoder, Jason" userId="28f4d4d8-da04-4f86-b14d-a21675737bc5" providerId="ADAL" clId="{681BC63D-2928-4579-B691-57EC26AE0CF5}" dt="2023-11-20T22:03:47.156" v="12" actId="20577"/>
+          <ac:spMkLst>
+            <pc:docMk/>
+            <pc:sldMk cId="623651849" sldId="440"/>
+            <ac:spMk id="2" creationId="{9AEA89BF-F67F-2017-5448-43894E946EDF}"/>
+          </ac:spMkLst>
+        </pc:spChg>
+        <pc:picChg chg="del">
+          <ac:chgData name="Yoder, Jason" userId="28f4d4d8-da04-4f86-b14d-a21675737bc5" providerId="ADAL" clId="{681BC63D-2928-4579-B691-57EC26AE0CF5}" dt="2023-11-20T22:03:40.789" v="3" actId="478"/>
+          <ac:picMkLst>
+            <pc:docMk/>
+            <pc:sldMk cId="623651849" sldId="440"/>
+            <ac:picMk id="5" creationId="{D94F9559-B5A0-A561-2779-399E5D23869F}"/>
+          </ac:picMkLst>
+        </pc:picChg>
+        <pc:picChg chg="add mod">
+          <ac:chgData name="Yoder, Jason" userId="28f4d4d8-da04-4f86-b14d-a21675737bc5" providerId="ADAL" clId="{681BC63D-2928-4579-B691-57EC26AE0CF5}" dt="2023-11-20T22:03:42.758" v="5" actId="1076"/>
+          <ac:picMkLst>
+            <pc:docMk/>
+            <pc:sldMk cId="623651849" sldId="440"/>
+            <ac:picMk id="6" creationId="{14FEFCE0-80E8-29B5-E8F5-C85FFD4E9A2C}"/>
+          </ac:picMkLst>
+        </pc:picChg>
+      </pc:sldChg>
+    </pc:docChg>
+  </pc:docChgLst>
+  <pc:docChgLst>
+    <pc:chgData name="Yoder, Jason" userId="28f4d4d8-da04-4f86-b14d-a21675737bc5" providerId="ADAL" clId="{E8AB5F2A-1869-493E-BE7D-696EA7AD2005}"/>
+    <pc:docChg chg="custSel addSld delSld modSld">
+      <pc:chgData name="Yoder, Jason" userId="28f4d4d8-da04-4f86-b14d-a21675737bc5" providerId="ADAL" clId="{E8AB5F2A-1869-493E-BE7D-696EA7AD2005}" dt="2023-10-12T11:47:30.837" v="368" actId="20577"/>
+      <pc:docMkLst>
+        <pc:docMk/>
+      </pc:docMkLst>
+      <pc:sldChg chg="addSp delSp mod">
+        <pc:chgData name="Yoder, Jason" userId="28f4d4d8-da04-4f86-b14d-a21675737bc5" providerId="ADAL" clId="{E8AB5F2A-1869-493E-BE7D-696EA7AD2005}" dt="2023-10-12T11:44:31.026" v="290" actId="9405"/>
+        <pc:sldMkLst>
+          <pc:docMk/>
+          <pc:sldMk cId="4198287119" sldId="436"/>
+        </pc:sldMkLst>
+        <pc:picChg chg="add">
+          <ac:chgData name="Yoder, Jason" userId="28f4d4d8-da04-4f86-b14d-a21675737bc5" providerId="ADAL" clId="{E8AB5F2A-1869-493E-BE7D-696EA7AD2005}" dt="2023-10-12T11:41:50.792" v="1" actId="22"/>
+          <ac:picMkLst>
+            <pc:docMk/>
+            <pc:sldMk cId="4198287119" sldId="436"/>
+            <ac:picMk id="3" creationId="{F5501E20-DFC3-8AE4-1A04-EE8CD21F90D7}"/>
+          </ac:picMkLst>
+        </pc:picChg>
+        <pc:picChg chg="del">
+          <ac:chgData name="Yoder, Jason" userId="28f4d4d8-da04-4f86-b14d-a21675737bc5" providerId="ADAL" clId="{E8AB5F2A-1869-493E-BE7D-696EA7AD2005}" dt="2023-10-12T11:41:50.485" v="0" actId="478"/>
+          <ac:picMkLst>
+            <pc:docMk/>
+            <pc:sldMk cId="4198287119" sldId="436"/>
+            <ac:picMk id="5" creationId="{6FAEB4EF-FD32-0EC9-F4B4-C78679EFABB1}"/>
+          </ac:picMkLst>
+        </pc:picChg>
+        <pc:inkChg chg="add">
+          <ac:chgData name="Yoder, Jason" userId="28f4d4d8-da04-4f86-b14d-a21675737bc5" providerId="ADAL" clId="{E8AB5F2A-1869-493E-BE7D-696EA7AD2005}" dt="2023-10-12T11:44:19.777" v="289" actId="9405"/>
+          <ac:inkMkLst>
+            <pc:docMk/>
+            <pc:sldMk cId="4198287119" sldId="436"/>
+            <ac:inkMk id="4" creationId="{CB4327A5-A7CB-CEA1-ACEF-ADA3F1F9CA8D}"/>
+          </ac:inkMkLst>
+        </pc:inkChg>
+        <pc:inkChg chg="add">
+          <ac:chgData name="Yoder, Jason" userId="28f4d4d8-da04-4f86-b14d-a21675737bc5" providerId="ADAL" clId="{E8AB5F2A-1869-493E-BE7D-696EA7AD2005}" dt="2023-10-12T11:44:31.026" v="290" actId="9405"/>
+          <ac:inkMkLst>
+            <pc:docMk/>
+            <pc:sldMk cId="4198287119" sldId="436"/>
+            <ac:inkMk id="6" creationId="{D4390FD6-A399-384E-D8A7-956AB7D83CB4}"/>
+          </ac:inkMkLst>
+        </pc:inkChg>
+      </pc:sldChg>
+      <pc:sldChg chg="del">
+        <pc:chgData name="Yoder, Jason" userId="28f4d4d8-da04-4f86-b14d-a21675737bc5" providerId="ADAL" clId="{E8AB5F2A-1869-493E-BE7D-696EA7AD2005}" dt="2023-10-12T11:44:07.916" v="288" actId="47"/>
+        <pc:sldMkLst>
+          <pc:docMk/>
+          <pc:sldMk cId="859268817" sldId="437"/>
+        </pc:sldMkLst>
+      </pc:sldChg>
+      <pc:sldChg chg="addSp delSp new mod">
+        <pc:chgData name="Yoder, Jason" userId="28f4d4d8-da04-4f86-b14d-a21675737bc5" providerId="ADAL" clId="{E8AB5F2A-1869-493E-BE7D-696EA7AD2005}" dt="2023-10-12T11:42:28.281" v="5" actId="478"/>
+        <pc:sldMkLst>
+          <pc:docMk/>
+          <pc:sldMk cId="2706205063" sldId="438"/>
+        </pc:sldMkLst>
+        <pc:spChg chg="del">
+          <ac:chgData name="Yoder, Jason" userId="28f4d4d8-da04-4f86-b14d-a21675737bc5" providerId="ADAL" clId="{E8AB5F2A-1869-493E-BE7D-696EA7AD2005}" dt="2023-10-12T11:42:27.470" v="4" actId="478"/>
+          <ac:spMkLst>
+            <pc:docMk/>
+            <pc:sldMk cId="2706205063" sldId="438"/>
+            <ac:spMk id="2" creationId="{47AF7D9A-EEA9-E170-130A-F2D77653FBC8}"/>
+          </ac:spMkLst>
+        </pc:spChg>
+        <pc:spChg chg="del">
+          <ac:chgData name="Yoder, Jason" userId="28f4d4d8-da04-4f86-b14d-a21675737bc5" providerId="ADAL" clId="{E8AB5F2A-1869-493E-BE7D-696EA7AD2005}" dt="2023-10-12T11:42:28.281" v="5" actId="478"/>
+          <ac:spMkLst>
+            <pc:docMk/>
+            <pc:sldMk cId="2706205063" sldId="438"/>
+            <ac:spMk id="3" creationId="{5C89BBDA-D4EF-6E59-6B3A-2C7E9E1DA6B7}"/>
+          </ac:spMkLst>
+        </pc:spChg>
+        <pc:picChg chg="add">
+          <ac:chgData name="Yoder, Jason" userId="28f4d4d8-da04-4f86-b14d-a21675737bc5" providerId="ADAL" clId="{E8AB5F2A-1869-493E-BE7D-696EA7AD2005}" dt="2023-10-12T11:42:23.736" v="3" actId="22"/>
+          <ac:picMkLst>
+            <pc:docMk/>
+            <pc:sldMk cId="2706205063" sldId="438"/>
+            <ac:picMk id="5" creationId="{AED8F23E-D8C7-6EC0-3A9F-2943163EB950}"/>
+          </ac:picMkLst>
+        </pc:picChg>
+      </pc:sldChg>
+      <pc:sldChg chg="addSp modSp new mod">
+        <pc:chgData name="Yoder, Jason" userId="28f4d4d8-da04-4f86-b14d-a21675737bc5" providerId="ADAL" clId="{E8AB5F2A-1869-493E-BE7D-696EA7AD2005}" dt="2023-10-12T11:43:50.719" v="287" actId="14100"/>
+        <pc:sldMkLst>
+          <pc:docMk/>
+          <pc:sldMk cId="2879748146" sldId="439"/>
+        </pc:sldMkLst>
+        <pc:spChg chg="mod">
+          <ac:chgData name="Yoder, Jason" userId="28f4d4d8-da04-4f86-b14d-a21675737bc5" providerId="ADAL" clId="{E8AB5F2A-1869-493E-BE7D-696EA7AD2005}" dt="2023-10-12T11:43:09.179" v="93" actId="20577"/>
+          <ac:spMkLst>
+            <pc:docMk/>
+            <pc:sldMk cId="2879748146" sldId="439"/>
+            <ac:spMk id="2" creationId="{EC3DB8A3-B7D5-A402-3503-2FFC39F2BA74}"/>
+          </ac:spMkLst>
+        </pc:spChg>
+        <pc:spChg chg="mod">
+          <ac:chgData name="Yoder, Jason" userId="28f4d4d8-da04-4f86-b14d-a21675737bc5" providerId="ADAL" clId="{E8AB5F2A-1869-493E-BE7D-696EA7AD2005}" dt="2023-10-12T11:43:50.719" v="287" actId="14100"/>
+          <ac:spMkLst>
+            <pc:docMk/>
+            <pc:sldMk cId="2879748146" sldId="439"/>
+            <ac:spMk id="3" creationId="{BD2AD413-E474-2126-A44D-1B7ED48525BE}"/>
+          </ac:spMkLst>
+        </pc:spChg>
+        <pc:picChg chg="add mod">
+          <ac:chgData name="Yoder, Jason" userId="28f4d4d8-da04-4f86-b14d-a21675737bc5" providerId="ADAL" clId="{E8AB5F2A-1869-493E-BE7D-696EA7AD2005}" dt="2023-10-12T11:42:55.448" v="8" actId="1076"/>
+          <ac:picMkLst>
+            <pc:docMk/>
+            <pc:sldMk cId="2879748146" sldId="439"/>
+            <ac:picMk id="5" creationId="{B25ACCA1-F5FA-21FE-67AF-C8B098133F1A}"/>
+          </ac:picMkLst>
+        </pc:picChg>
+      </pc:sldChg>
+      <pc:sldChg chg="addSp modSp new mod">
+        <pc:chgData name="Yoder, Jason" userId="28f4d4d8-da04-4f86-b14d-a21675737bc5" providerId="ADAL" clId="{E8AB5F2A-1869-493E-BE7D-696EA7AD2005}" dt="2023-10-12T11:47:30.837" v="368" actId="20577"/>
+        <pc:sldMkLst>
+          <pc:docMk/>
+          <pc:sldMk cId="623651849" sldId="440"/>
+        </pc:sldMkLst>
+        <pc:spChg chg="mod">
+          <ac:chgData name="Yoder, Jason" userId="28f4d4d8-da04-4f86-b14d-a21675737bc5" providerId="ADAL" clId="{E8AB5F2A-1869-493E-BE7D-696EA7AD2005}" dt="2023-10-12T11:47:23.383" v="330" actId="20577"/>
+          <ac:spMkLst>
+            <pc:docMk/>
+            <pc:sldMk cId="623651849" sldId="440"/>
+            <ac:spMk id="2" creationId="{9AEA89BF-F67F-2017-5448-43894E946EDF}"/>
+          </ac:spMkLst>
+        </pc:spChg>
+        <pc:spChg chg="mod">
+          <ac:chgData name="Yoder, Jason" userId="28f4d4d8-da04-4f86-b14d-a21675737bc5" providerId="ADAL" clId="{E8AB5F2A-1869-493E-BE7D-696EA7AD2005}" dt="2023-10-12T11:47:30.837" v="368" actId="20577"/>
+          <ac:spMkLst>
+            <pc:docMk/>
+            <pc:sldMk cId="623651849" sldId="440"/>
+            <ac:spMk id="3" creationId="{02165F0E-9E86-9638-1A35-86AA82BADD14}"/>
+          </ac:spMkLst>
+        </pc:spChg>
+        <pc:picChg chg="add mod">
+          <ac:chgData name="Yoder, Jason" userId="28f4d4d8-da04-4f86-b14d-a21675737bc5" providerId="ADAL" clId="{E8AB5F2A-1869-493E-BE7D-696EA7AD2005}" dt="2023-10-12T11:47:10.687" v="293" actId="1076"/>
+          <ac:picMkLst>
+            <pc:docMk/>
+            <pc:sldMk cId="623651849" sldId="440"/>
+            <ac:picMk id="5" creationId="{D94F9559-B5A0-A561-2779-399E5D23869F}"/>
+          </ac:picMkLst>
+        </pc:picChg>
+      </pc:sldChg>
+    </pc:docChg>
+  </pc:docChgLst>
+</pc:chgInfo>
+</file>
+
+<file path=ppt/ink/ink1.xml><?xml version="1.0" encoding="utf-8"?>
+<inkml:ink xmlns:inkml="http://www.w3.org/2003/InkML">
+  <inkml:definitions>
+    <inkml:context xml:id="ctx0">
+      <inkml:inkSource xml:id="inkSrc0">
+        <inkml:traceFormat>
+          <inkml:channel name="X" type="integer" min="-2.14748E9" max="2.14748E9" units="cm"/>
+          <inkml:channel name="Y" type="integer" min="-2.14748E9" max="2.14748E9" units="cm"/>
+          <inkml:channel name="F" type="integer" max="32767" units="dev"/>
+        </inkml:traceFormat>
+        <inkml:channelProperties>
+          <inkml:channelProperty channel="X" name="resolution" value="1000" units="1/cm"/>
+          <inkml:channelProperty channel="Y" name="resolution" value="1000" units="1/cm"/>
+          <inkml:channelProperty channel="F" name="resolution" value="0" units="1/dev"/>
+        </inkml:channelProperties>
+      </inkml:inkSource>
+      <inkml:timestamp xml:id="ts0" timeString="2023-10-12T11:44:19.772"/>
+    </inkml:context>
+    <inkml:brush xml:id="br0">
+      <inkml:brushProperty name="width" value="0.05" units="cm"/>
+      <inkml:brushProperty name="height" value="0.05" units="cm"/>
+      <inkml:brushProperty name="color" value="#E71224"/>
+    </inkml:brush>
+  </inkml:definitions>
+  <inkml:trace contextRef="#ctx0" brushRef="#br0">12856 21 24575,'-4'-2'0,"0"-1"0,0 1 0,1 0 0,-1 0 0,0 0 0,-1 1 0,1 0 0,0-1 0,0 1 0,-1 1 0,1-1 0,0 1 0,-1-1 0,-6 2 0,-3-2 0,-414 8 0,206 3 0,-1133-5 0,756-7 0,-911 2 0,1079 14 0,15-1 0,-1347-14 0,1397 14 0,29 1 0,-1562-13 0,914-3 0,262-14 0,117 6 0,548 10 0,-169-13 0,20 0 0,-394 13-1365,561 0-5461</inkml:trace>
+</inkml:ink>
+</file>
+
+<file path=ppt/ink/ink2.xml><?xml version="1.0" encoding="utf-8"?>
+<inkml:ink xmlns:inkml="http://www.w3.org/2003/InkML">
+  <inkml:definitions>
+    <inkml:context xml:id="ctx0">
+      <inkml:inkSource xml:id="inkSrc0">
+        <inkml:traceFormat>
+          <inkml:channel name="X" type="integer" min="-2.14748E9" max="2.14748E9" units="cm"/>
+          <inkml:channel name="Y" type="integer" min="-2.14748E9" max="2.14748E9" units="cm"/>
+        </inkml:traceFormat>
+        <inkml:channelProperties>
+          <inkml:channelProperty channel="X" name="resolution" value="1000" units="1/cm"/>
+          <inkml:channelProperty channel="Y" name="resolution" value="1000" units="1/cm"/>
+        </inkml:channelProperties>
+      </inkml:inkSource>
+      <inkml:timestamp xml:id="ts0" timeString="2023-10-12T11:44:31.025"/>
+    </inkml:context>
+    <inkml:brush xml:id="br0">
+      <inkml:brushProperty name="width" value="0.3" units="cm"/>
+      <inkml:brushProperty name="height" value="0.6" units="cm"/>
+      <inkml:brushProperty name="color" value="#FFFC00"/>
+      <inkml:brushProperty name="tip" value="rectangle"/>
+      <inkml:brushProperty name="rasterOp" value="maskPen"/>
+      <inkml:brushProperty name="ignorePressure" value="1"/>
+    </inkml:brush>
+  </inkml:definitions>
+  <inkml:trace contextRef="#ctx0" brushRef="#br0">0 80,'922'16,"-849"-13,330 22,142-14,-339-13,4084 2,-4240-3,1-2,62-14,-57 8,86-5,325 14,-212 5,2692-3,-2706-14,-101 4,-9 2,413-13,661 22,-1186-2,0-1,33-8,-31 5,40-3,10 7,-40 1</inkml:trace>
+</inkml:ink>
 </file>
 
 <file path=ppt/notesMasters/notesMaster1.xml><?xml version="1.0" encoding="utf-8"?>
@@ -195,7 +467,7 @@
           <a:p>
             <a:fld id="{9CE0A2B6-13AF-49FC-B15E-7C72D3DC1C29}" type="datetimeFigureOut">
               <a:rPr lang="en-US" smtClean="0"/>
-              <a:t>11/22/2022</a:t>
+              <a:t>11/20/2023</a:t>
             </a:fld>
             <a:endParaRPr lang="en-US"/>
           </a:p>
@@ -694,7 +966,7 @@
           <a:p>
             <a:fld id="{522B27BC-DF25-44C8-995F-D41C7A94349F}" type="datetimeFigureOut">
               <a:rPr lang="en-US" smtClean="0"/>
-              <a:t>11/22/2022</a:t>
+              <a:t>11/20/2023</a:t>
             </a:fld>
             <a:endParaRPr lang="en-US"/>
           </a:p>
@@ -892,7 +1164,7 @@
           <a:p>
             <a:fld id="{522B27BC-DF25-44C8-995F-D41C7A94349F}" type="datetimeFigureOut">
               <a:rPr lang="en-US" smtClean="0"/>
-              <a:t>11/22/2022</a:t>
+              <a:t>11/20/2023</a:t>
             </a:fld>
             <a:endParaRPr lang="en-US"/>
           </a:p>
@@ -1100,7 +1372,7 @@
           <a:p>
             <a:fld id="{522B27BC-DF25-44C8-995F-D41C7A94349F}" type="datetimeFigureOut">
               <a:rPr lang="en-US" smtClean="0"/>
-              <a:t>11/22/2022</a:t>
+              <a:t>11/20/2023</a:t>
             </a:fld>
             <a:endParaRPr lang="en-US"/>
           </a:p>
@@ -1298,7 +1570,7 @@
           <a:p>
             <a:fld id="{522B27BC-DF25-44C8-995F-D41C7A94349F}" type="datetimeFigureOut">
               <a:rPr lang="en-US" smtClean="0"/>
-              <a:t>11/22/2022</a:t>
+              <a:t>11/20/2023</a:t>
             </a:fld>
             <a:endParaRPr lang="en-US"/>
           </a:p>
@@ -1573,7 +1845,7 @@
           <a:p>
             <a:fld id="{522B27BC-DF25-44C8-995F-D41C7A94349F}" type="datetimeFigureOut">
               <a:rPr lang="en-US" smtClean="0"/>
-              <a:t>11/22/2022</a:t>
+              <a:t>11/20/2023</a:t>
             </a:fld>
             <a:endParaRPr lang="en-US"/>
           </a:p>
@@ -1838,7 +2110,7 @@
           <a:p>
             <a:fld id="{522B27BC-DF25-44C8-995F-D41C7A94349F}" type="datetimeFigureOut">
               <a:rPr lang="en-US" smtClean="0"/>
-              <a:t>11/22/2022</a:t>
+              <a:t>11/20/2023</a:t>
             </a:fld>
             <a:endParaRPr lang="en-US"/>
           </a:p>
@@ -2250,7 +2522,7 @@
           <a:p>
             <a:fld id="{522B27BC-DF25-44C8-995F-D41C7A94349F}" type="datetimeFigureOut">
               <a:rPr lang="en-US" smtClean="0"/>
-              <a:t>11/22/2022</a:t>
+              <a:t>11/20/2023</a:t>
             </a:fld>
             <a:endParaRPr lang="en-US"/>
           </a:p>
@@ -2391,7 +2663,7 @@
           <a:p>
             <a:fld id="{522B27BC-DF25-44C8-995F-D41C7A94349F}" type="datetimeFigureOut">
               <a:rPr lang="en-US" smtClean="0"/>
-              <a:t>11/22/2022</a:t>
+              <a:t>11/20/2023</a:t>
             </a:fld>
             <a:endParaRPr lang="en-US"/>
           </a:p>
@@ -2504,7 +2776,7 @@
           <a:p>
             <a:fld id="{522B27BC-DF25-44C8-995F-D41C7A94349F}" type="datetimeFigureOut">
               <a:rPr lang="en-US" smtClean="0"/>
-              <a:t>11/22/2022</a:t>
+              <a:t>11/20/2023</a:t>
             </a:fld>
             <a:endParaRPr lang="en-US"/>
           </a:p>
@@ -2815,7 +3087,7 @@
           <a:p>
             <a:fld id="{522B27BC-DF25-44C8-995F-D41C7A94349F}" type="datetimeFigureOut">
               <a:rPr lang="en-US" smtClean="0"/>
-              <a:t>11/22/2022</a:t>
+              <a:t>11/20/2023</a:t>
             </a:fld>
             <a:endParaRPr lang="en-US"/>
           </a:p>
@@ -3103,7 +3375,7 @@
           <a:p>
             <a:fld id="{522B27BC-DF25-44C8-995F-D41C7A94349F}" type="datetimeFigureOut">
               <a:rPr lang="en-US" smtClean="0"/>
-              <a:t>11/22/2022</a:t>
+              <a:t>11/20/2023</a:t>
             </a:fld>
             <a:endParaRPr lang="en-US"/>
           </a:p>
@@ -3344,7 +3616,7 @@
           <a:p>
             <a:fld id="{522B27BC-DF25-44C8-995F-D41C7A94349F}" type="datetimeFigureOut">
               <a:rPr lang="en-US" smtClean="0"/>
-              <a:t>11/22/2022</a:t>
+              <a:t>11/20/2023</a:t>
             </a:fld>
             <a:endParaRPr lang="en-US"/>
           </a:p>
@@ -3966,10 +4238,10 @@
       </p:grpSpPr>
       <p:pic>
         <p:nvPicPr>
-          <p:cNvPr id="5" name="Picture 4">
-            <a:extLst>
-              <a:ext uri="{FF2B5EF4-FFF2-40B4-BE49-F238E27FC236}">
-                <a16:creationId xmlns:a16="http://schemas.microsoft.com/office/drawing/2014/main" id="{6FAEB4EF-FD32-0EC9-F4B4-C78679EFABB1}"/>
+          <p:cNvPr id="3" name="Picture 2">
+            <a:extLst>
+              <a:ext uri="{FF2B5EF4-FFF2-40B4-BE49-F238E27FC236}">
+                <a16:creationId xmlns:a16="http://schemas.microsoft.com/office/drawing/2014/main" id="{F5501E20-DFC3-8AE4-1A04-EE8CD21F90D7}"/>
               </a:ext>
             </a:extLst>
           </p:cNvPr>
@@ -3986,14 +4258,116 @@
         </p:blipFill>
         <p:spPr>
           <a:xfrm>
-            <a:off x="2895601" y="0"/>
-            <a:ext cx="6249575" cy="6858000"/>
+            <a:off x="328669" y="0"/>
+            <a:ext cx="11534661" cy="6858000"/>
           </a:xfrm>
           <a:prstGeom prst="rect">
             <a:avLst/>
           </a:prstGeom>
         </p:spPr>
       </p:pic>
+      <mc:AlternateContent xmlns:mc="http://schemas.openxmlformats.org/markup-compatibility/2006" xmlns:p14="http://schemas.microsoft.com/office/powerpoint/2010/main">
+        <mc:Choice Requires="p14">
+          <p:contentPart p14:bwMode="auto" r:id="rId3">
+            <p14:nvContentPartPr>
+              <p14:cNvPr id="4" name="Ink 3">
+                <a:extLst>
+                  <a:ext uri="{FF2B5EF4-FFF2-40B4-BE49-F238E27FC236}">
+                    <a16:creationId xmlns:a16="http://schemas.microsoft.com/office/drawing/2014/main" id="{CB4327A5-A7CB-CEA1-ACEF-ADA3F1F9CA8D}"/>
+                  </a:ext>
+                </a:extLst>
+              </p14:cNvPr>
+              <p14:cNvContentPartPr/>
+              <p14:nvPr/>
+            </p14:nvContentPartPr>
+            <p14:xfrm>
+              <a:off x="3469446" y="1585358"/>
+              <a:ext cx="4628160" cy="27000"/>
+            </p14:xfrm>
+          </p:contentPart>
+        </mc:Choice>
+        <mc:Fallback xmlns="">
+          <p:pic>
+            <p:nvPicPr>
+              <p:cNvPr id="4" name="Ink 3">
+                <a:extLst>
+                  <a:ext uri="{FF2B5EF4-FFF2-40B4-BE49-F238E27FC236}">
+                    <a16:creationId xmlns:a16="http://schemas.microsoft.com/office/drawing/2014/main" id="{CB4327A5-A7CB-CEA1-ACEF-ADA3F1F9CA8D}"/>
+                  </a:ext>
+                </a:extLst>
+              </p:cNvPr>
+              <p:cNvPicPr/>
+              <p:nvPr/>
+            </p:nvPicPr>
+            <p:blipFill>
+              <a:blip r:embed="rId4"/>
+              <a:stretch>
+                <a:fillRect/>
+              </a:stretch>
+            </p:blipFill>
+            <p:spPr>
+              <a:xfrm>
+                <a:off x="3460446" y="1576718"/>
+                <a:ext cx="4645800" cy="44640"/>
+              </a:xfrm>
+              <a:prstGeom prst="rect">
+                <a:avLst/>
+              </a:prstGeom>
+            </p:spPr>
+          </p:pic>
+        </mc:Fallback>
+      </mc:AlternateContent>
+      <mc:AlternateContent xmlns:mc="http://schemas.openxmlformats.org/markup-compatibility/2006" xmlns:p14="http://schemas.microsoft.com/office/powerpoint/2010/main">
+        <mc:Choice Requires="p14">
+          <p:contentPart p14:bwMode="auto" r:id="rId5">
+            <p14:nvContentPartPr>
+              <p14:cNvPr id="6" name="Ink 5">
+                <a:extLst>
+                  <a:ext uri="{FF2B5EF4-FFF2-40B4-BE49-F238E27FC236}">
+                    <a16:creationId xmlns:a16="http://schemas.microsoft.com/office/drawing/2014/main" id="{D4390FD6-A399-384E-D8A7-956AB7D83CB4}"/>
+                  </a:ext>
+                </a:extLst>
+              </p14:cNvPr>
+              <p14:cNvContentPartPr/>
+              <p14:nvPr/>
+            </p14:nvContentPartPr>
+            <p14:xfrm>
+              <a:off x="3450006" y="1422638"/>
+              <a:ext cx="4699800" cy="48960"/>
+            </p14:xfrm>
+          </p:contentPart>
+        </mc:Choice>
+        <mc:Fallback xmlns="">
+          <p:pic>
+            <p:nvPicPr>
+              <p:cNvPr id="6" name="Ink 5">
+                <a:extLst>
+                  <a:ext uri="{FF2B5EF4-FFF2-40B4-BE49-F238E27FC236}">
+                    <a16:creationId xmlns:a16="http://schemas.microsoft.com/office/drawing/2014/main" id="{D4390FD6-A399-384E-D8A7-956AB7D83CB4}"/>
+                  </a:ext>
+                </a:extLst>
+              </p:cNvPr>
+              <p:cNvPicPr/>
+              <p:nvPr/>
+            </p:nvPicPr>
+            <p:blipFill>
+              <a:blip r:embed="rId6"/>
+              <a:stretch>
+                <a:fillRect/>
+              </a:stretch>
+            </p:blipFill>
+            <p:spPr>
+              <a:xfrm>
+                <a:off x="3396006" y="1314998"/>
+                <a:ext cx="4807440" cy="264600"/>
+              </a:xfrm>
+              <a:prstGeom prst="rect">
+                <a:avLst/>
+              </a:prstGeom>
+            </p:spPr>
+          </p:pic>
+        </mc:Fallback>
+      </mc:AlternateContent>
     </p:spTree>
     <p:extLst>
       <p:ext uri="{BB962C8B-B14F-4D97-AF65-F5344CB8AC3E}">
@@ -4036,125 +4410,12 @@
           <a:chExt cx="0" cy="0"/>
         </a:xfrm>
       </p:grpSpPr>
-      <p:sp>
-        <p:nvSpPr>
-          <p:cNvPr id="2" name="Content Placeholder 1">
-            <a:extLst>
-              <a:ext uri="{FF2B5EF4-FFF2-40B4-BE49-F238E27FC236}">
-                <a16:creationId xmlns:a16="http://schemas.microsoft.com/office/drawing/2014/main" id="{8B62BBD2-E433-20D1-F948-2F706B2F27EE}"/>
-              </a:ext>
-            </a:extLst>
-          </p:cNvPr>
-          <p:cNvSpPr>
-            <a:spLocks noGrp="1"/>
-          </p:cNvSpPr>
-          <p:nvPr>
-            <p:ph idx="1"/>
-          </p:nvPr>
-        </p:nvSpPr>
-        <p:spPr>
-          <a:xfrm>
-            <a:off x="1524000" y="758031"/>
-            <a:ext cx="9296400" cy="5341938"/>
-          </a:xfrm>
-        </p:spPr>
-        <p:txBody>
-          <a:bodyPr/>
-          <a:lstStyle/>
-          <a:p>
-            <a:r>
-              <a:rPr lang="en-US" dirty="0"/>
-              <a:t>Indicate </a:t>
-            </a:r>
-            <a:r>
-              <a:rPr lang="en-US" b="1" u="sng" dirty="0"/>
-              <a:t>3 Things</a:t>
-            </a:r>
-            <a:r>
-              <a:rPr lang="en-US" dirty="0"/>
-              <a:t> in this box (screenshot below)</a:t>
-            </a:r>
-          </a:p>
-          <a:p>
-            <a:pPr marL="623887" indent="-514350">
-              <a:buFont typeface="+mj-lt"/>
-              <a:buAutoNum type="arabicPeriod"/>
-            </a:pPr>
-            <a:r>
-              <a:rPr lang="en-US" dirty="0"/>
-              <a:t>Who you would like TO work with</a:t>
-            </a:r>
-          </a:p>
-          <a:p>
-            <a:pPr marL="623887" indent="-514350">
-              <a:buFont typeface="+mj-lt"/>
-              <a:buAutoNum type="arabicPeriod"/>
-            </a:pPr>
-            <a:r>
-              <a:rPr lang="en-US" dirty="0"/>
-              <a:t>Who you would NOT like to work with</a:t>
-            </a:r>
-          </a:p>
-          <a:p>
-            <a:pPr marL="623887" indent="-514350">
-              <a:buFont typeface="+mj-lt"/>
-              <a:buAutoNum type="arabicPeriod"/>
-            </a:pPr>
-            <a:r>
-              <a:rPr lang="en-US" dirty="0"/>
-              <a:t>Your preference of GARP or Arcade Game</a:t>
-            </a:r>
-          </a:p>
-          <a:p>
-            <a:pPr lvl="1"/>
-            <a:r>
-              <a:rPr lang="en-US" dirty="0"/>
-              <a:t>If you did not complete the original survey you will NOT be eligible to do the GARP</a:t>
-            </a:r>
-          </a:p>
-          <a:p>
-            <a:pPr lvl="1"/>
-            <a:r>
-              <a:rPr lang="en-US" dirty="0"/>
-              <a:t>This is mostly a sanity check for me</a:t>
-            </a:r>
-          </a:p>
-        </p:txBody>
-      </p:sp>
-      <p:sp>
-        <p:nvSpPr>
-          <p:cNvPr id="3" name="Title 2">
-            <a:extLst>
-              <a:ext uri="{FF2B5EF4-FFF2-40B4-BE49-F238E27FC236}">
-                <a16:creationId xmlns:a16="http://schemas.microsoft.com/office/drawing/2014/main" id="{96774CC5-5D3A-2AF2-BBA2-059B0BDCCCF0}"/>
-              </a:ext>
-            </a:extLst>
-          </p:cNvPr>
-          <p:cNvSpPr>
-            <a:spLocks noGrp="1"/>
-          </p:cNvSpPr>
-          <p:nvPr>
-            <p:ph type="title"/>
-          </p:nvPr>
-        </p:nvSpPr>
-        <p:spPr/>
-        <p:txBody>
-          <a:bodyPr/>
-          <a:lstStyle/>
-          <a:p>
-            <a:r>
-              <a:rPr lang="en-US" dirty="0"/>
-              <a:t>MAKE SURE TO:</a:t>
-            </a:r>
-          </a:p>
-        </p:txBody>
-      </p:sp>
       <p:pic>
         <p:nvPicPr>
           <p:cNvPr id="5" name="Picture 4">
             <a:extLst>
               <a:ext uri="{FF2B5EF4-FFF2-40B4-BE49-F238E27FC236}">
-                <a16:creationId xmlns:a16="http://schemas.microsoft.com/office/drawing/2014/main" id="{77DA72B4-3B63-2C3D-F0C2-C19CE32E83AC}"/>
+                <a16:creationId xmlns:a16="http://schemas.microsoft.com/office/drawing/2014/main" id="{AED8F23E-D8C7-6EC0-3A9F-2943163EB950}"/>
               </a:ext>
             </a:extLst>
           </p:cNvPr>
@@ -4171,41 +4432,278 @@
         </p:blipFill>
         <p:spPr>
           <a:xfrm>
-            <a:off x="1560830" y="3895312"/>
-            <a:ext cx="9107171" cy="2962688"/>
+            <a:off x="1595207" y="0"/>
+            <a:ext cx="9001585" cy="6858000"/>
           </a:xfrm>
           <a:prstGeom prst="rect">
             <a:avLst/>
           </a:prstGeom>
-          <a:ln>
-            <a:solidFill>
-              <a:schemeClr val="tx1"/>
-            </a:solidFill>
-          </a:ln>
         </p:spPr>
       </p:pic>
     </p:spTree>
     <p:extLst>
       <p:ext uri="{BB962C8B-B14F-4D97-AF65-F5344CB8AC3E}">
-        <p14:creationId xmlns:p14="http://schemas.microsoft.com/office/powerpoint/2010/main" val="859268817"/>
+        <p14:creationId xmlns:p14="http://schemas.microsoft.com/office/powerpoint/2010/main" val="2706205063"/>
       </p:ext>
     </p:extLst>
   </p:cSld>
   <p:clrMapOvr>
     <a:masterClrMapping/>
   </p:clrMapOvr>
-  <mc:AlternateContent xmlns:mc="http://schemas.openxmlformats.org/markup-compatibility/2006" xmlns:p14="http://schemas.microsoft.com/office/powerpoint/2010/main">
-    <mc:Choice Requires="p14">
-      <p:transition spd="slow" p14:dur="1400">
-        <p14:ripple/>
-      </p:transition>
-    </mc:Choice>
-    <mc:Fallback xmlns="">
-      <p:transition xmlns:p14="http://schemas.microsoft.com/office/powerpoint/2010/main" spd="slow">
-        <p:fade/>
-      </p:transition>
-    </mc:Fallback>
-  </mc:AlternateContent>
+</p:sld>
+</file>
+
+<file path=ppt/slides/slide5.xml><?xml version="1.0" encoding="utf-8"?>
+<p:sld xmlns:a="http://schemas.openxmlformats.org/drawingml/2006/main" xmlns:r="http://schemas.openxmlformats.org/officeDocument/2006/relationships" xmlns:p="http://schemas.openxmlformats.org/presentationml/2006/main">
+  <p:cSld>
+    <p:spTree>
+      <p:nvGrpSpPr>
+        <p:cNvPr id="1" name=""/>
+        <p:cNvGrpSpPr/>
+        <p:nvPr/>
+      </p:nvGrpSpPr>
+      <p:grpSpPr>
+        <a:xfrm>
+          <a:off x="0" y="0"/>
+          <a:ext cx="0" cy="0"/>
+          <a:chOff x="0" y="0"/>
+          <a:chExt cx="0" cy="0"/>
+        </a:xfrm>
+      </p:grpSpPr>
+      <p:sp>
+        <p:nvSpPr>
+          <p:cNvPr id="2" name="Title 1">
+            <a:extLst>
+              <a:ext uri="{FF2B5EF4-FFF2-40B4-BE49-F238E27FC236}">
+                <a16:creationId xmlns:a16="http://schemas.microsoft.com/office/drawing/2014/main" id="{EC3DB8A3-B7D5-A402-3503-2FFC39F2BA74}"/>
+              </a:ext>
+            </a:extLst>
+          </p:cNvPr>
+          <p:cNvSpPr>
+            <a:spLocks noGrp="1"/>
+          </p:cNvSpPr>
+          <p:nvPr>
+            <p:ph type="title"/>
+          </p:nvPr>
+        </p:nvSpPr>
+        <p:spPr/>
+        <p:txBody>
+          <a:bodyPr/>
+          <a:lstStyle/>
+          <a:p>
+            <a:r>
+              <a:rPr lang="en-US" dirty="0"/>
+              <a:t>If you have any extra info to share, do it here:</a:t>
+            </a:r>
+          </a:p>
+        </p:txBody>
+      </p:sp>
+      <p:sp>
+        <p:nvSpPr>
+          <p:cNvPr id="3" name="Content Placeholder 2">
+            <a:extLst>
+              <a:ext uri="{FF2B5EF4-FFF2-40B4-BE49-F238E27FC236}">
+                <a16:creationId xmlns:a16="http://schemas.microsoft.com/office/drawing/2014/main" id="{BD2AD413-E474-2126-A44D-1B7ED48525BE}"/>
+              </a:ext>
+            </a:extLst>
+          </p:cNvPr>
+          <p:cNvSpPr>
+            <a:spLocks noGrp="1"/>
+          </p:cNvSpPr>
+          <p:nvPr>
+            <p:ph idx="1"/>
+          </p:nvPr>
+        </p:nvSpPr>
+        <p:spPr>
+          <a:xfrm>
+            <a:off x="838200" y="1825625"/>
+            <a:ext cx="10515600" cy="1501235"/>
+          </a:xfrm>
+        </p:spPr>
+        <p:txBody>
+          <a:bodyPr/>
+          <a:lstStyle/>
+          <a:p>
+            <a:r>
+              <a:rPr lang="en-US" dirty="0"/>
+              <a:t>If you are considering dropping the course for any reason</a:t>
+            </a:r>
+          </a:p>
+          <a:p>
+            <a:r>
+              <a:rPr lang="en-US" dirty="0"/>
+              <a:t>If you have an event or anticipate needing to be away from campus</a:t>
+            </a:r>
+          </a:p>
+          <a:p>
+            <a:r>
+              <a:rPr lang="en-US" dirty="0"/>
+              <a:t>If you have any health or personal matters that may influence you</a:t>
+            </a:r>
+          </a:p>
+        </p:txBody>
+      </p:sp>
+      <p:pic>
+        <p:nvPicPr>
+          <p:cNvPr id="5" name="Picture 4">
+            <a:extLst>
+              <a:ext uri="{FF2B5EF4-FFF2-40B4-BE49-F238E27FC236}">
+                <a16:creationId xmlns:a16="http://schemas.microsoft.com/office/drawing/2014/main" id="{B25ACCA1-F5FA-21FE-67AF-C8B098133F1A}"/>
+              </a:ext>
+            </a:extLst>
+          </p:cNvPr>
+          <p:cNvPicPr>
+            <a:picLocks noChangeAspect="1"/>
+          </p:cNvPicPr>
+          <p:nvPr/>
+        </p:nvPicPr>
+        <p:blipFill>
+          <a:blip r:embed="rId2"/>
+          <a:stretch>
+            <a:fillRect/>
+          </a:stretch>
+        </p:blipFill>
+        <p:spPr>
+          <a:xfrm>
+            <a:off x="0" y="3429000"/>
+            <a:ext cx="12192000" cy="3428115"/>
+          </a:xfrm>
+          <a:prstGeom prst="rect">
+            <a:avLst/>
+          </a:prstGeom>
+        </p:spPr>
+      </p:pic>
+    </p:spTree>
+    <p:extLst>
+      <p:ext uri="{BB962C8B-B14F-4D97-AF65-F5344CB8AC3E}">
+        <p14:creationId xmlns:p14="http://schemas.microsoft.com/office/powerpoint/2010/main" val="2879748146"/>
+      </p:ext>
+    </p:extLst>
+  </p:cSld>
+  <p:clrMapOvr>
+    <a:masterClrMapping/>
+  </p:clrMapOvr>
+</p:sld>
+</file>
+
+<file path=ppt/slides/slide6.xml><?xml version="1.0" encoding="utf-8"?>
+<p:sld xmlns:a="http://schemas.openxmlformats.org/drawingml/2006/main" xmlns:r="http://schemas.openxmlformats.org/officeDocument/2006/relationships" xmlns:p="http://schemas.openxmlformats.org/presentationml/2006/main">
+  <p:cSld>
+    <p:spTree>
+      <p:nvGrpSpPr>
+        <p:cNvPr id="1" name=""/>
+        <p:cNvGrpSpPr/>
+        <p:nvPr/>
+      </p:nvGrpSpPr>
+      <p:grpSpPr>
+        <a:xfrm>
+          <a:off x="0" y="0"/>
+          <a:ext cx="0" cy="0"/>
+          <a:chOff x="0" y="0"/>
+          <a:chExt cx="0" cy="0"/>
+        </a:xfrm>
+      </p:grpSpPr>
+      <p:sp>
+        <p:nvSpPr>
+          <p:cNvPr id="2" name="Title 1">
+            <a:extLst>
+              <a:ext uri="{FF2B5EF4-FFF2-40B4-BE49-F238E27FC236}">
+                <a16:creationId xmlns:a16="http://schemas.microsoft.com/office/drawing/2014/main" id="{9AEA89BF-F67F-2017-5448-43894E946EDF}"/>
+              </a:ext>
+            </a:extLst>
+          </p:cNvPr>
+          <p:cNvSpPr>
+            <a:spLocks noGrp="1"/>
+          </p:cNvSpPr>
+          <p:nvPr>
+            <p:ph type="title"/>
+          </p:nvPr>
+        </p:nvSpPr>
+        <p:spPr/>
+        <p:txBody>
+          <a:bodyPr/>
+          <a:lstStyle/>
+          <a:p>
+            <a:r>
+              <a:rPr lang="en-US" dirty="0"/>
+              <a:t>We will plan to form </a:t>
+            </a:r>
+            <a:r>
+              <a:rPr lang="en-US"/>
+              <a:t>teams soon!</a:t>
+            </a:r>
+            <a:endParaRPr lang="en-US" dirty="0"/>
+          </a:p>
+        </p:txBody>
+      </p:sp>
+      <p:sp>
+        <p:nvSpPr>
+          <p:cNvPr id="3" name="Content Placeholder 2">
+            <a:extLst>
+              <a:ext uri="{FF2B5EF4-FFF2-40B4-BE49-F238E27FC236}">
+                <a16:creationId xmlns:a16="http://schemas.microsoft.com/office/drawing/2014/main" id="{02165F0E-9E86-9638-1A35-86AA82BADD14}"/>
+              </a:ext>
+            </a:extLst>
+          </p:cNvPr>
+          <p:cNvSpPr>
+            <a:spLocks noGrp="1"/>
+          </p:cNvSpPr>
+          <p:nvPr>
+            <p:ph idx="1"/>
+          </p:nvPr>
+        </p:nvSpPr>
+        <p:spPr/>
+        <p:txBody>
+          <a:bodyPr/>
+          <a:lstStyle/>
+          <a:p>
+            <a:r>
+              <a:rPr lang="en-US" dirty="0"/>
+              <a:t>Make sure to complete surveys!</a:t>
+            </a:r>
+          </a:p>
+        </p:txBody>
+      </p:sp>
+      <p:pic>
+        <p:nvPicPr>
+          <p:cNvPr id="6" name="Picture 5">
+            <a:extLst>
+              <a:ext uri="{FF2B5EF4-FFF2-40B4-BE49-F238E27FC236}">
+                <a16:creationId xmlns:a16="http://schemas.microsoft.com/office/drawing/2014/main" id="{14FEFCE0-80E8-29B5-E8F5-C85FFD4E9A2C}"/>
+              </a:ext>
+            </a:extLst>
+          </p:cNvPr>
+          <p:cNvPicPr>
+            <a:picLocks noChangeAspect="1"/>
+          </p:cNvPicPr>
+          <p:nvPr/>
+        </p:nvPicPr>
+        <p:blipFill>
+          <a:blip r:embed="rId2"/>
+          <a:stretch>
+            <a:fillRect/>
+          </a:stretch>
+        </p:blipFill>
+        <p:spPr>
+          <a:xfrm>
+            <a:off x="0" y="3429000"/>
+            <a:ext cx="12192000" cy="3496019"/>
+          </a:xfrm>
+          <a:prstGeom prst="rect">
+            <a:avLst/>
+          </a:prstGeom>
+        </p:spPr>
+      </p:pic>
+    </p:spTree>
+    <p:extLst>
+      <p:ext uri="{BB962C8B-B14F-4D97-AF65-F5344CB8AC3E}">
+        <p14:creationId xmlns:p14="http://schemas.microsoft.com/office/powerpoint/2010/main" val="623651849"/>
+      </p:ext>
+    </p:extLst>
+  </p:cSld>
+  <p:clrMapOvr>
+    <a:masterClrMapping/>
+  </p:clrMapOvr>
 </p:sld>
 </file>
 

--- a/ClassMaterials/Polymorphism/Slides/Part4-FinalProjectReminders.pptx
+++ b/ClassMaterials/Polymorphism/Slides/Part4-FinalProjectReminders.pptx
@@ -5,15 +5,14 @@
     <p:sldMasterId id="2147483648" r:id="rId1"/>
   </p:sldMasterIdLst>
   <p:notesMasterIdLst>
-    <p:notesMasterId r:id="rId8"/>
+    <p:notesMasterId r:id="rId7"/>
   </p:notesMasterIdLst>
   <p:sldIdLst>
-    <p:sldId id="434" r:id="rId2"/>
-    <p:sldId id="435" r:id="rId3"/>
-    <p:sldId id="436" r:id="rId4"/>
-    <p:sldId id="438" r:id="rId5"/>
-    <p:sldId id="439" r:id="rId6"/>
-    <p:sldId id="440" r:id="rId7"/>
+    <p:sldId id="435" r:id="rId2"/>
+    <p:sldId id="436" r:id="rId3"/>
+    <p:sldId id="438" r:id="rId4"/>
+    <p:sldId id="439" r:id="rId5"/>
+    <p:sldId id="440" r:id="rId6"/>
   </p:sldIdLst>
   <p:sldSz cx="12192000" cy="6858000"/>
   <p:notesSz cx="6858000" cy="9144000"/>
@@ -122,61 +121,6 @@
 
 <file path=ppt/changesInfos/changesInfo1.xml><?xml version="1.0" encoding="utf-8"?>
 <pc:chgInfo xmlns:a="http://schemas.openxmlformats.org/drawingml/2006/main" xmlns:r="http://schemas.openxmlformats.org/officeDocument/2006/relationships" xmlns:ac="http://schemas.microsoft.com/office/drawing/2013/main/command" xmlns:pc="http://schemas.microsoft.com/office/powerpoint/2013/main/command">
-  <pc:docChgLst>
-    <pc:chgData name="Yoder, Jason" userId="28f4d4d8-da04-4f86-b14d-a21675737bc5" providerId="ADAL" clId="{681BC63D-2928-4579-B691-57EC26AE0CF5}"/>
-    <pc:docChg chg="custSel modSld">
-      <pc:chgData name="Yoder, Jason" userId="28f4d4d8-da04-4f86-b14d-a21675737bc5" providerId="ADAL" clId="{681BC63D-2928-4579-B691-57EC26AE0CF5}" dt="2023-11-20T22:03:47.156" v="12" actId="20577"/>
-      <pc:docMkLst>
-        <pc:docMk/>
-      </pc:docMkLst>
-      <pc:sldChg chg="modSp mod">
-        <pc:chgData name="Yoder, Jason" userId="28f4d4d8-da04-4f86-b14d-a21675737bc5" providerId="ADAL" clId="{681BC63D-2928-4579-B691-57EC26AE0CF5}" dt="2023-11-20T22:01:59.045" v="2" actId="20577"/>
-        <pc:sldMkLst>
-          <pc:docMk/>
-          <pc:sldMk cId="2879748146" sldId="439"/>
-        </pc:sldMkLst>
-        <pc:spChg chg="mod">
-          <ac:chgData name="Yoder, Jason" userId="28f4d4d8-da04-4f86-b14d-a21675737bc5" providerId="ADAL" clId="{681BC63D-2928-4579-B691-57EC26AE0CF5}" dt="2023-11-20T22:01:59.045" v="2" actId="20577"/>
-          <ac:spMkLst>
-            <pc:docMk/>
-            <pc:sldMk cId="2879748146" sldId="439"/>
-            <ac:spMk id="2" creationId="{EC3DB8A3-B7D5-A402-3503-2FFC39F2BA74}"/>
-          </ac:spMkLst>
-        </pc:spChg>
-      </pc:sldChg>
-      <pc:sldChg chg="addSp delSp modSp mod">
-        <pc:chgData name="Yoder, Jason" userId="28f4d4d8-da04-4f86-b14d-a21675737bc5" providerId="ADAL" clId="{681BC63D-2928-4579-B691-57EC26AE0CF5}" dt="2023-11-20T22:03:47.156" v="12" actId="20577"/>
-        <pc:sldMkLst>
-          <pc:docMk/>
-          <pc:sldMk cId="623651849" sldId="440"/>
-        </pc:sldMkLst>
-        <pc:spChg chg="mod">
-          <ac:chgData name="Yoder, Jason" userId="28f4d4d8-da04-4f86-b14d-a21675737bc5" providerId="ADAL" clId="{681BC63D-2928-4579-B691-57EC26AE0CF5}" dt="2023-11-20T22:03:47.156" v="12" actId="20577"/>
-          <ac:spMkLst>
-            <pc:docMk/>
-            <pc:sldMk cId="623651849" sldId="440"/>
-            <ac:spMk id="2" creationId="{9AEA89BF-F67F-2017-5448-43894E946EDF}"/>
-          </ac:spMkLst>
-        </pc:spChg>
-        <pc:picChg chg="del">
-          <ac:chgData name="Yoder, Jason" userId="28f4d4d8-da04-4f86-b14d-a21675737bc5" providerId="ADAL" clId="{681BC63D-2928-4579-B691-57EC26AE0CF5}" dt="2023-11-20T22:03:40.789" v="3" actId="478"/>
-          <ac:picMkLst>
-            <pc:docMk/>
-            <pc:sldMk cId="623651849" sldId="440"/>
-            <ac:picMk id="5" creationId="{D94F9559-B5A0-A561-2779-399E5D23869F}"/>
-          </ac:picMkLst>
-        </pc:picChg>
-        <pc:picChg chg="add mod">
-          <ac:chgData name="Yoder, Jason" userId="28f4d4d8-da04-4f86-b14d-a21675737bc5" providerId="ADAL" clId="{681BC63D-2928-4579-B691-57EC26AE0CF5}" dt="2023-11-20T22:03:42.758" v="5" actId="1076"/>
-          <ac:picMkLst>
-            <pc:docMk/>
-            <pc:sldMk cId="623651849" sldId="440"/>
-            <ac:picMk id="6" creationId="{14FEFCE0-80E8-29B5-E8F5-C85FFD4E9A2C}"/>
-          </ac:picMkLst>
-        </pc:picChg>
-      </pc:sldChg>
-    </pc:docChg>
-  </pc:docChgLst>
   <pc:docChgLst>
     <pc:chgData name="Yoder, Jason" userId="28f4d4d8-da04-4f86-b14d-a21675737bc5" providerId="ADAL" clId="{E8AB5F2A-1869-493E-BE7D-696EA7AD2005}"/>
     <pc:docChg chg="custSel addSld delSld modSld">
@@ -325,6 +269,61 @@
       </pc:sldChg>
     </pc:docChg>
   </pc:docChgLst>
+  <pc:docChgLst>
+    <pc:chgData name="Yoder, Jason" userId="28f4d4d8-da04-4f86-b14d-a21675737bc5" providerId="ADAL" clId="{681BC63D-2928-4579-B691-57EC26AE0CF5}"/>
+    <pc:docChg chg="custSel modSld">
+      <pc:chgData name="Yoder, Jason" userId="28f4d4d8-da04-4f86-b14d-a21675737bc5" providerId="ADAL" clId="{681BC63D-2928-4579-B691-57EC26AE0CF5}" dt="2023-11-20T22:03:47.156" v="12" actId="20577"/>
+      <pc:docMkLst>
+        <pc:docMk/>
+      </pc:docMkLst>
+      <pc:sldChg chg="modSp mod">
+        <pc:chgData name="Yoder, Jason" userId="28f4d4d8-da04-4f86-b14d-a21675737bc5" providerId="ADAL" clId="{681BC63D-2928-4579-B691-57EC26AE0CF5}" dt="2023-11-20T22:01:59.045" v="2" actId="20577"/>
+        <pc:sldMkLst>
+          <pc:docMk/>
+          <pc:sldMk cId="2879748146" sldId="439"/>
+        </pc:sldMkLst>
+        <pc:spChg chg="mod">
+          <ac:chgData name="Yoder, Jason" userId="28f4d4d8-da04-4f86-b14d-a21675737bc5" providerId="ADAL" clId="{681BC63D-2928-4579-B691-57EC26AE0CF5}" dt="2023-11-20T22:01:59.045" v="2" actId="20577"/>
+          <ac:spMkLst>
+            <pc:docMk/>
+            <pc:sldMk cId="2879748146" sldId="439"/>
+            <ac:spMk id="2" creationId="{EC3DB8A3-B7D5-A402-3503-2FFC39F2BA74}"/>
+          </ac:spMkLst>
+        </pc:spChg>
+      </pc:sldChg>
+      <pc:sldChg chg="addSp delSp modSp mod">
+        <pc:chgData name="Yoder, Jason" userId="28f4d4d8-da04-4f86-b14d-a21675737bc5" providerId="ADAL" clId="{681BC63D-2928-4579-B691-57EC26AE0CF5}" dt="2023-11-20T22:03:47.156" v="12" actId="20577"/>
+        <pc:sldMkLst>
+          <pc:docMk/>
+          <pc:sldMk cId="623651849" sldId="440"/>
+        </pc:sldMkLst>
+        <pc:spChg chg="mod">
+          <ac:chgData name="Yoder, Jason" userId="28f4d4d8-da04-4f86-b14d-a21675737bc5" providerId="ADAL" clId="{681BC63D-2928-4579-B691-57EC26AE0CF5}" dt="2023-11-20T22:03:47.156" v="12" actId="20577"/>
+          <ac:spMkLst>
+            <pc:docMk/>
+            <pc:sldMk cId="623651849" sldId="440"/>
+            <ac:spMk id="2" creationId="{9AEA89BF-F67F-2017-5448-43894E946EDF}"/>
+          </ac:spMkLst>
+        </pc:spChg>
+        <pc:picChg chg="del">
+          <ac:chgData name="Yoder, Jason" userId="28f4d4d8-da04-4f86-b14d-a21675737bc5" providerId="ADAL" clId="{681BC63D-2928-4579-B691-57EC26AE0CF5}" dt="2023-11-20T22:03:40.789" v="3" actId="478"/>
+          <ac:picMkLst>
+            <pc:docMk/>
+            <pc:sldMk cId="623651849" sldId="440"/>
+            <ac:picMk id="5" creationId="{D94F9559-B5A0-A561-2779-399E5D23869F}"/>
+          </ac:picMkLst>
+        </pc:picChg>
+        <pc:picChg chg="add mod">
+          <ac:chgData name="Yoder, Jason" userId="28f4d4d8-da04-4f86-b14d-a21675737bc5" providerId="ADAL" clId="{681BC63D-2928-4579-B691-57EC26AE0CF5}" dt="2023-11-20T22:03:42.758" v="5" actId="1076"/>
+          <ac:picMkLst>
+            <pc:docMk/>
+            <pc:sldMk cId="623651849" sldId="440"/>
+            <ac:picMk id="6" creationId="{14FEFCE0-80E8-29B5-E8F5-C85FFD4E9A2C}"/>
+          </ac:picMkLst>
+        </pc:picChg>
+      </pc:sldChg>
+    </pc:docChg>
+  </pc:docChgLst>
 </pc:chgInfo>
 </file>
 
@@ -467,7 +466,7 @@
           <a:p>
             <a:fld id="{9CE0A2B6-13AF-49FC-B15E-7C72D3DC1C29}" type="datetimeFigureOut">
               <a:rPr lang="en-US" smtClean="0"/>
-              <a:t>11/20/2023</a:t>
+              <a:t>1/18/2024</a:t>
             </a:fld>
             <a:endParaRPr lang="en-US"/>
           </a:p>
@@ -734,91 +733,6 @@
 </p:notesMaster>
 </file>
 
-<file path=ppt/notesSlides/notesSlide1.xml><?xml version="1.0" encoding="utf-8"?>
-<p:notes xmlns:a="http://schemas.openxmlformats.org/drawingml/2006/main" xmlns:r="http://schemas.openxmlformats.org/officeDocument/2006/relationships" xmlns:p="http://schemas.openxmlformats.org/presentationml/2006/main">
-  <p:cSld>
-    <p:spTree>
-      <p:nvGrpSpPr>
-        <p:cNvPr id="1" name=""/>
-        <p:cNvGrpSpPr/>
-        <p:nvPr/>
-      </p:nvGrpSpPr>
-      <p:grpSpPr>
-        <a:xfrm>
-          <a:off x="0" y="0"/>
-          <a:ext cx="0" cy="0"/>
-          <a:chOff x="0" y="0"/>
-          <a:chExt cx="0" cy="0"/>
-        </a:xfrm>
-      </p:grpSpPr>
-      <p:sp>
-        <p:nvSpPr>
-          <p:cNvPr id="2" name="Slide Image Placeholder 1"/>
-          <p:cNvSpPr>
-            <a:spLocks noGrp="1" noRot="1" noChangeAspect="1"/>
-          </p:cNvSpPr>
-          <p:nvPr>
-            <p:ph type="sldImg"/>
-          </p:nvPr>
-        </p:nvSpPr>
-        <p:spPr/>
-      </p:sp>
-      <p:sp>
-        <p:nvSpPr>
-          <p:cNvPr id="3" name="Notes Placeholder 2"/>
-          <p:cNvSpPr>
-            <a:spLocks noGrp="1"/>
-          </p:cNvSpPr>
-          <p:nvPr>
-            <p:ph type="body" idx="1"/>
-          </p:nvPr>
-        </p:nvSpPr>
-        <p:spPr/>
-        <p:txBody>
-          <a:bodyPr/>
-          <a:lstStyle/>
-          <a:p>
-            <a:endParaRPr lang="en-US" dirty="0"/>
-          </a:p>
-        </p:txBody>
-      </p:sp>
-      <p:sp>
-        <p:nvSpPr>
-          <p:cNvPr id="4" name="Slide Number Placeholder 3"/>
-          <p:cNvSpPr>
-            <a:spLocks noGrp="1"/>
-          </p:cNvSpPr>
-          <p:nvPr>
-            <p:ph type="sldNum" sz="quarter" idx="5"/>
-          </p:nvPr>
-        </p:nvSpPr>
-        <p:spPr/>
-        <p:txBody>
-          <a:bodyPr/>
-          <a:lstStyle/>
-          <a:p>
-            <a:fld id="{4F112900-B763-408A-B56C-3419B5D60735}" type="slidenum">
-              <a:rPr lang="en-US" smtClean="0"/>
-              <a:pPr/>
-              <a:t>1</a:t>
-            </a:fld>
-            <a:endParaRPr lang="en-US"/>
-          </a:p>
-        </p:txBody>
-      </p:sp>
-    </p:spTree>
-    <p:extLst>
-      <p:ext uri="{BB962C8B-B14F-4D97-AF65-F5344CB8AC3E}">
-        <p14:creationId xmlns:p14="http://schemas.microsoft.com/office/powerpoint/2010/main" val="3535875994"/>
-      </p:ext>
-    </p:extLst>
-  </p:cSld>
-  <p:clrMapOvr>
-    <a:masterClrMapping/>
-  </p:clrMapOvr>
-</p:notes>
-</file>
-
 <file path=ppt/slideLayouts/slideLayout1.xml><?xml version="1.0" encoding="utf-8"?>
 <p:sldLayout xmlns:a="http://schemas.openxmlformats.org/drawingml/2006/main" xmlns:r="http://schemas.openxmlformats.org/officeDocument/2006/relationships" xmlns:p="http://schemas.openxmlformats.org/presentationml/2006/main" type="title" preserve="1">
   <p:cSld name="Title Slide">
@@ -966,7 +880,7 @@
           <a:p>
             <a:fld id="{522B27BC-DF25-44C8-995F-D41C7A94349F}" type="datetimeFigureOut">
               <a:rPr lang="en-US" smtClean="0"/>
-              <a:t>11/20/2023</a:t>
+              <a:t>1/18/2024</a:t>
             </a:fld>
             <a:endParaRPr lang="en-US"/>
           </a:p>
@@ -1164,7 +1078,7 @@
           <a:p>
             <a:fld id="{522B27BC-DF25-44C8-995F-D41C7A94349F}" type="datetimeFigureOut">
               <a:rPr lang="en-US" smtClean="0"/>
-              <a:t>11/20/2023</a:t>
+              <a:t>1/18/2024</a:t>
             </a:fld>
             <a:endParaRPr lang="en-US"/>
           </a:p>
@@ -1372,7 +1286,7 @@
           <a:p>
             <a:fld id="{522B27BC-DF25-44C8-995F-D41C7A94349F}" type="datetimeFigureOut">
               <a:rPr lang="en-US" smtClean="0"/>
-              <a:t>11/20/2023</a:t>
+              <a:t>1/18/2024</a:t>
             </a:fld>
             <a:endParaRPr lang="en-US"/>
           </a:p>
@@ -1570,7 +1484,7 @@
           <a:p>
             <a:fld id="{522B27BC-DF25-44C8-995F-D41C7A94349F}" type="datetimeFigureOut">
               <a:rPr lang="en-US" smtClean="0"/>
-              <a:t>11/20/2023</a:t>
+              <a:t>1/18/2024</a:t>
             </a:fld>
             <a:endParaRPr lang="en-US"/>
           </a:p>
@@ -1845,7 +1759,7 @@
           <a:p>
             <a:fld id="{522B27BC-DF25-44C8-995F-D41C7A94349F}" type="datetimeFigureOut">
               <a:rPr lang="en-US" smtClean="0"/>
-              <a:t>11/20/2023</a:t>
+              <a:t>1/18/2024</a:t>
             </a:fld>
             <a:endParaRPr lang="en-US"/>
           </a:p>
@@ -2110,7 +2024,7 @@
           <a:p>
             <a:fld id="{522B27BC-DF25-44C8-995F-D41C7A94349F}" type="datetimeFigureOut">
               <a:rPr lang="en-US" smtClean="0"/>
-              <a:t>11/20/2023</a:t>
+              <a:t>1/18/2024</a:t>
             </a:fld>
             <a:endParaRPr lang="en-US"/>
           </a:p>
@@ -2522,7 +2436,7 @@
           <a:p>
             <a:fld id="{522B27BC-DF25-44C8-995F-D41C7A94349F}" type="datetimeFigureOut">
               <a:rPr lang="en-US" smtClean="0"/>
-              <a:t>11/20/2023</a:t>
+              <a:t>1/18/2024</a:t>
             </a:fld>
             <a:endParaRPr lang="en-US"/>
           </a:p>
@@ -2663,7 +2577,7 @@
           <a:p>
             <a:fld id="{522B27BC-DF25-44C8-995F-D41C7A94349F}" type="datetimeFigureOut">
               <a:rPr lang="en-US" smtClean="0"/>
-              <a:t>11/20/2023</a:t>
+              <a:t>1/18/2024</a:t>
             </a:fld>
             <a:endParaRPr lang="en-US"/>
           </a:p>
@@ -2776,7 +2690,7 @@
           <a:p>
             <a:fld id="{522B27BC-DF25-44C8-995F-D41C7A94349F}" type="datetimeFigureOut">
               <a:rPr lang="en-US" smtClean="0"/>
-              <a:t>11/20/2023</a:t>
+              <a:t>1/18/2024</a:t>
             </a:fld>
             <a:endParaRPr lang="en-US"/>
           </a:p>
@@ -3087,7 +3001,7 @@
           <a:p>
             <a:fld id="{522B27BC-DF25-44C8-995F-D41C7A94349F}" type="datetimeFigureOut">
               <a:rPr lang="en-US" smtClean="0"/>
-              <a:t>11/20/2023</a:t>
+              <a:t>1/18/2024</a:t>
             </a:fld>
             <a:endParaRPr lang="en-US"/>
           </a:p>
@@ -3375,7 +3289,7 @@
           <a:p>
             <a:fld id="{522B27BC-DF25-44C8-995F-D41C7A94349F}" type="datetimeFigureOut">
               <a:rPr lang="en-US" smtClean="0"/>
-              <a:t>11/20/2023</a:t>
+              <a:t>1/18/2024</a:t>
             </a:fld>
             <a:endParaRPr lang="en-US"/>
           </a:p>
@@ -3616,7 +3530,7 @@
           <a:p>
             <a:fld id="{522B27BC-DF25-44C8-995F-D41C7A94349F}" type="datetimeFigureOut">
               <a:rPr lang="en-US" smtClean="0"/>
-              <a:t>11/20/2023</a:t>
+              <a:t>1/18/2024</a:t>
             </a:fld>
             <a:endParaRPr lang="en-US"/>
           </a:p>
@@ -4035,76 +3949,6 @@
       </p:grpSpPr>
       <p:sp>
         <p:nvSpPr>
-          <p:cNvPr id="3" name="Title 2">
-            <a:extLst>
-              <a:ext uri="{FF2B5EF4-FFF2-40B4-BE49-F238E27FC236}">
-                <a16:creationId xmlns:a16="http://schemas.microsoft.com/office/drawing/2014/main" id="{3DD802AB-74EA-2F1C-87E4-A849E2160A11}"/>
-              </a:ext>
-            </a:extLst>
-          </p:cNvPr>
-          <p:cNvSpPr>
-            <a:spLocks noGrp="1"/>
-          </p:cNvSpPr>
-          <p:nvPr>
-            <p:ph type="title"/>
-          </p:nvPr>
-        </p:nvSpPr>
-        <p:spPr/>
-        <p:txBody>
-          <a:bodyPr/>
-          <a:lstStyle/>
-          <a:p>
-            <a:r>
-              <a:rPr lang="en-US" dirty="0"/>
-              <a:t>Final Project Teams (so far)</a:t>
-            </a:r>
-          </a:p>
-        </p:txBody>
-      </p:sp>
-    </p:spTree>
-    <p:extLst>
-      <p:ext uri="{BB962C8B-B14F-4D97-AF65-F5344CB8AC3E}">
-        <p14:creationId xmlns:p14="http://schemas.microsoft.com/office/powerpoint/2010/main" val="3960425500"/>
-      </p:ext>
-    </p:extLst>
-  </p:cSld>
-  <p:clrMapOvr>
-    <a:masterClrMapping/>
-  </p:clrMapOvr>
-  <mc:AlternateContent xmlns:mc="http://schemas.openxmlformats.org/markup-compatibility/2006" xmlns:p14="http://schemas.microsoft.com/office/powerpoint/2010/main">
-    <mc:Choice Requires="p14">
-      <p:transition spd="slow" p14:dur="1400">
-        <p14:ripple/>
-      </p:transition>
-    </mc:Choice>
-    <mc:Fallback xmlns="">
-      <p:transition xmlns:p14="http://schemas.microsoft.com/office/powerpoint/2010/main" spd="slow">
-        <p:fade/>
-      </p:transition>
-    </mc:Fallback>
-  </mc:AlternateContent>
-</p:sld>
-</file>
-
-<file path=ppt/slides/slide2.xml><?xml version="1.0" encoding="utf-8"?>
-<p:sld xmlns:a="http://schemas.openxmlformats.org/drawingml/2006/main" xmlns:r="http://schemas.openxmlformats.org/officeDocument/2006/relationships" xmlns:p="http://schemas.openxmlformats.org/presentationml/2006/main">
-  <p:cSld>
-    <p:spTree>
-      <p:nvGrpSpPr>
-        <p:cNvPr id="1" name=""/>
-        <p:cNvGrpSpPr/>
-        <p:nvPr/>
-      </p:nvGrpSpPr>
-      <p:grpSpPr>
-        <a:xfrm>
-          <a:off x="0" y="0"/>
-          <a:ext cx="0" cy="0"/>
-          <a:chOff x="0" y="0"/>
-          <a:chExt cx="0" cy="0"/>
-        </a:xfrm>
-      </p:grpSpPr>
-      <p:sp>
-        <p:nvSpPr>
           <p:cNvPr id="2" name="Content Placeholder 1">
             <a:extLst>
               <a:ext uri="{FF2B5EF4-FFF2-40B4-BE49-F238E27FC236}">
@@ -4219,7 +4063,7 @@
 </p:sld>
 </file>
 
-<file path=ppt/slides/slide3.xml><?xml version="1.0" encoding="utf-8"?>
+<file path=ppt/slides/slide2.xml><?xml version="1.0" encoding="utf-8"?>
 <p:sld xmlns:a="http://schemas.openxmlformats.org/drawingml/2006/main" xmlns:r="http://schemas.openxmlformats.org/officeDocument/2006/relationships" xmlns:p="http://schemas.openxmlformats.org/presentationml/2006/main">
   <p:cSld>
     <p:spTree>
@@ -4393,7 +4237,7 @@
 </p:sld>
 </file>
 
-<file path=ppt/slides/slide4.xml><?xml version="1.0" encoding="utf-8"?>
+<file path=ppt/slides/slide3.xml><?xml version="1.0" encoding="utf-8"?>
 <p:sld xmlns:a="http://schemas.openxmlformats.org/drawingml/2006/main" xmlns:r="http://schemas.openxmlformats.org/officeDocument/2006/relationships" xmlns:p="http://schemas.openxmlformats.org/presentationml/2006/main">
   <p:cSld>
     <p:spTree>
@@ -4453,7 +4297,7 @@
 </p:sld>
 </file>
 
-<file path=ppt/slides/slide5.xml><?xml version="1.0" encoding="utf-8"?>
+<file path=ppt/slides/slide4.xml><?xml version="1.0" encoding="utf-8"?>
 <p:sld xmlns:a="http://schemas.openxmlformats.org/drawingml/2006/main" xmlns:r="http://schemas.openxmlformats.org/officeDocument/2006/relationships" xmlns:p="http://schemas.openxmlformats.org/presentationml/2006/main">
   <p:cSld>
     <p:spTree>
@@ -4586,7 +4430,7 @@
 </p:sld>
 </file>
 
-<file path=ppt/slides/slide6.xml><?xml version="1.0" encoding="utf-8"?>
+<file path=ppt/slides/slide5.xml><?xml version="1.0" encoding="utf-8"?>
 <p:sld xmlns:a="http://schemas.openxmlformats.org/drawingml/2006/main" xmlns:r="http://schemas.openxmlformats.org/officeDocument/2006/relationships" xmlns:p="http://schemas.openxmlformats.org/presentationml/2006/main">
   <p:cSld>
     <p:spTree>
@@ -4664,36 +4508,6 @@
           </a:p>
         </p:txBody>
       </p:sp>
-      <p:pic>
-        <p:nvPicPr>
-          <p:cNvPr id="6" name="Picture 5">
-            <a:extLst>
-              <a:ext uri="{FF2B5EF4-FFF2-40B4-BE49-F238E27FC236}">
-                <a16:creationId xmlns:a16="http://schemas.microsoft.com/office/drawing/2014/main" id="{14FEFCE0-80E8-29B5-E8F5-C85FFD4E9A2C}"/>
-              </a:ext>
-            </a:extLst>
-          </p:cNvPr>
-          <p:cNvPicPr>
-            <a:picLocks noChangeAspect="1"/>
-          </p:cNvPicPr>
-          <p:nvPr/>
-        </p:nvPicPr>
-        <p:blipFill>
-          <a:blip r:embed="rId2"/>
-          <a:stretch>
-            <a:fillRect/>
-          </a:stretch>
-        </p:blipFill>
-        <p:spPr>
-          <a:xfrm>
-            <a:off x="0" y="3429000"/>
-            <a:ext cx="12192000" cy="3496019"/>
-          </a:xfrm>
-          <a:prstGeom prst="rect">
-            <a:avLst/>
-          </a:prstGeom>
-        </p:spPr>
-      </p:pic>
     </p:spTree>
     <p:extLst>
       <p:ext uri="{BB962C8B-B14F-4D97-AF65-F5344CB8AC3E}">

--- a/ClassMaterials/Polymorphism/Slides/Part4-FinalProjectReminders.pptx
+++ b/ClassMaterials/Polymorphism/Slides/Part4-FinalProjectReminders.pptx
@@ -355,6 +355,62 @@
 </inkml:ink>
 </file>
 
+<file path=ppt/ink/ink10.xml><?xml version="1.0" encoding="utf-8"?>
+<inkml:ink xmlns:inkml="http://www.w3.org/2003/InkML">
+  <inkml:definitions>
+    <inkml:context xml:id="ctx0">
+      <inkml:inkSource xml:id="inkSrc0">
+        <inkml:traceFormat>
+          <inkml:channel name="X" type="integer" min="-2.14748E9" max="2.14748E9" units="cm"/>
+          <inkml:channel name="Y" type="integer" min="-2.14748E9" max="2.14748E9" units="cm"/>
+          <inkml:channel name="F" type="integer" max="32767" units="dev"/>
+        </inkml:traceFormat>
+        <inkml:channelProperties>
+          <inkml:channelProperty channel="X" name="resolution" value="1000" units="1/cm"/>
+          <inkml:channelProperty channel="Y" name="resolution" value="1000" units="1/cm"/>
+          <inkml:channelProperty channel="F" name="resolution" value="0" units="1/dev"/>
+        </inkml:channelProperties>
+      </inkml:inkSource>
+      <inkml:timestamp xml:id="ts0" timeString="2025-04-24T11:51:22.945"/>
+    </inkml:context>
+    <inkml:brush xml:id="br0">
+      <inkml:brushProperty name="width" value="0.1" units="cm"/>
+      <inkml:brushProperty name="height" value="0.1" units="cm"/>
+      <inkml:brushProperty name="color" value="#E71224"/>
+    </inkml:brush>
+  </inkml:definitions>
+  <inkml:trace contextRef="#ctx0" brushRef="#br0">29 0 24575,'0'18'0,"-5"39"0,-1 36 0,0 45 0,2 30 0,0 15 0,2 7 0,1 19 0,1 5 0,0-11 0,0 7 0,0-15 0,0-31 0,1-38 0,-1-28 0,0-25 0,0-21 0,0-19-8191</inkml:trace>
+</inkml:ink>
+</file>
+
+<file path=ppt/ink/ink11.xml><?xml version="1.0" encoding="utf-8"?>
+<inkml:ink xmlns:inkml="http://www.w3.org/2003/InkML">
+  <inkml:definitions>
+    <inkml:context xml:id="ctx0">
+      <inkml:inkSource xml:id="inkSrc0">
+        <inkml:traceFormat>
+          <inkml:channel name="X" type="integer" min="-2.14748E9" max="2.14748E9" units="cm"/>
+          <inkml:channel name="Y" type="integer" min="-2.14748E9" max="2.14748E9" units="cm"/>
+          <inkml:channel name="F" type="integer" max="32767" units="dev"/>
+        </inkml:traceFormat>
+        <inkml:channelProperties>
+          <inkml:channelProperty channel="X" name="resolution" value="1000" units="1/cm"/>
+          <inkml:channelProperty channel="Y" name="resolution" value="1000" units="1/cm"/>
+          <inkml:channelProperty channel="F" name="resolution" value="0" units="1/dev"/>
+        </inkml:channelProperties>
+      </inkml:inkSource>
+      <inkml:timestamp xml:id="ts0" timeString="2025-04-24T11:51:40.809"/>
+    </inkml:context>
+    <inkml:brush xml:id="br0">
+      <inkml:brushProperty name="width" value="0.1" units="cm"/>
+      <inkml:brushProperty name="height" value="0.1" units="cm"/>
+      <inkml:brushProperty name="color" value="#E71224"/>
+    </inkml:brush>
+  </inkml:definitions>
+  <inkml:trace contextRef="#ctx0" brushRef="#br0">0 28 24575,'5'0'0,"6"0"0,5 0 0,5 0 0,4 0 0,-3-4 0,0-2 0,0 0 0,2 1 0,0 2 0,2 1 0,0 1 0,1 0 0,0 1 0,0 1 0,1-1 0,3 0 0,-2 0-8191</inkml:trace>
+</inkml:ink>
+</file>
+
 <file path=ppt/ink/ink2.xml><?xml version="1.0" encoding="utf-8"?>
 <inkml:ink xmlns:inkml="http://www.w3.org/2003/InkML">
   <inkml:definitions>
@@ -384,6 +440,202 @@
 </inkml:ink>
 </file>
 
+<file path=ppt/ink/ink3.xml><?xml version="1.0" encoding="utf-8"?>
+<inkml:ink xmlns:inkml="http://www.w3.org/2003/InkML">
+  <inkml:definitions>
+    <inkml:context xml:id="ctx0">
+      <inkml:inkSource xml:id="inkSrc0">
+        <inkml:traceFormat>
+          <inkml:channel name="X" type="integer" min="-2.14748E9" max="2.14748E9" units="cm"/>
+          <inkml:channel name="Y" type="integer" min="-2.14748E9" max="2.14748E9" units="cm"/>
+          <inkml:channel name="F" type="integer" max="32767" units="dev"/>
+        </inkml:traceFormat>
+        <inkml:channelProperties>
+          <inkml:channelProperty channel="X" name="resolution" value="1000" units="1/cm"/>
+          <inkml:channelProperty channel="Y" name="resolution" value="1000" units="1/cm"/>
+          <inkml:channelProperty channel="F" name="resolution" value="0" units="1/dev"/>
+        </inkml:channelProperties>
+      </inkml:inkSource>
+      <inkml:timestamp xml:id="ts0" timeString="2025-04-24T11:51:13.187"/>
+    </inkml:context>
+    <inkml:brush xml:id="br0">
+      <inkml:brushProperty name="width" value="0.1" units="cm"/>
+      <inkml:brushProperty name="height" value="0.1" units="cm"/>
+      <inkml:brushProperty name="color" value="#E71224"/>
+    </inkml:brush>
+  </inkml:definitions>
+  <inkml:trace contextRef="#ctx0" brushRef="#br0">301 0 24575,'-9'1'0,"0"0"0,0 0 0,1 1 0,-1 0 0,0 0 0,1 1 0,0 0 0,0 1 0,0-1 0,0 2 0,0-1 0,-7 7 0,-3 3 0,0 1 0,2 0 0,-24 28 0,30-30 0,0 0 0,1 1 0,1 0 0,0 1 0,1 0 0,0 0 0,1 0 0,-5 25 0,6-17 0,0 1 0,2 0 0,1 1 0,1-1 0,2 29 0,0-42 0,0 0 0,1-1 0,1 1 0,-1 0 0,2-1 0,-1 1 0,1-1 0,1 0 0,0-1 0,12 19 0,-7-16 0,-1-1 0,2 1 0,0-2 0,0 1 0,1-2 0,0 1 0,15 7 0,3 0 0,1-2 0,1-2 0,0 0 0,1-2 0,0-2 0,42 7 0,-3-7 0,1-4 0,135-6 0,-78-2 0,-105 4 0,0-2 0,0-1 0,-1 0 0,46-12 0,-63 12 0,0-1 0,-1 1 0,1-1 0,0-1 0,-1 1 0,0-1 0,0 0 0,0 0 0,0-1 0,-1 0 0,1 0 0,-1 0 0,-1-1 0,1 1 0,-1-1 0,0 0 0,0-1 0,-1 1 0,1-1 0,-2 1 0,4-10 0,0-8 0,-2 0 0,0 0 0,-1-1 0,-2 1 0,-1-1 0,0 1 0,-7-41 0,5 50 0,-1 0 0,-1 1 0,0-1 0,-1 1 0,0 0 0,-1 0 0,-1 1 0,0-1 0,-1 1 0,-15-20 0,14 24 0,0 0 0,0 0 0,0 1 0,-1 0 0,-1 1 0,1 0 0,-1 0 0,0 1 0,-1 1 0,1 0 0,-1 0 0,0 1 0,-13-2 0,-24-3 0,0 2 0,-84-2 0,-100 15 0,226-6 0,-36 2-170,0 2-1,0 2 0,1 1 1,0 2-1,0 3 0,1 1 1,-39 18-1,55-18-6655</inkml:trace>
+</inkml:ink>
+</file>
+
+<file path=ppt/ink/ink4.xml><?xml version="1.0" encoding="utf-8"?>
+<inkml:ink xmlns:inkml="http://www.w3.org/2003/InkML">
+  <inkml:definitions>
+    <inkml:context xml:id="ctx0">
+      <inkml:inkSource xml:id="inkSrc0">
+        <inkml:traceFormat>
+          <inkml:channel name="X" type="integer" min="-2.14748E9" max="2.14748E9" units="cm"/>
+          <inkml:channel name="Y" type="integer" min="-2.14748E9" max="2.14748E9" units="cm"/>
+          <inkml:channel name="F" type="integer" max="32767" units="dev"/>
+        </inkml:traceFormat>
+        <inkml:channelProperties>
+          <inkml:channelProperty channel="X" name="resolution" value="1000" units="1/cm"/>
+          <inkml:channelProperty channel="Y" name="resolution" value="1000" units="1/cm"/>
+          <inkml:channelProperty channel="F" name="resolution" value="0" units="1/dev"/>
+        </inkml:channelProperties>
+      </inkml:inkSource>
+      <inkml:timestamp xml:id="ts0" timeString="2025-04-24T11:51:14.289"/>
+    </inkml:context>
+    <inkml:brush xml:id="br0">
+      <inkml:brushProperty name="width" value="0.1" units="cm"/>
+      <inkml:brushProperty name="height" value="0.1" units="cm"/>
+      <inkml:brushProperty name="color" value="#E71224"/>
+    </inkml:brush>
+  </inkml:definitions>
+  <inkml:trace contextRef="#ctx0" brushRef="#br0">892 23 24575,'0'-1'0,"-1"0"0,1 1 0,-1-1 0,1 0 0,-1 0 0,1 0 0,-1 0 0,0 0 0,0 1 0,1-1 0,-1 0 0,0 1 0,0-1 0,0 0 0,0 1 0,0-1 0,0 1 0,0-1 0,0 1 0,0 0 0,0-1 0,0 1 0,0 0 0,0 0 0,-2 0 0,-33-5 0,31 5 0,-31-2 0,1 2 0,0 1 0,0 2 0,-68 14 0,-133 53 0,201-55 0,1 1 0,-36 23 0,31-17 0,25-13 0,0 0 0,0 2 0,1-1 0,0 1 0,1 1 0,0 1 0,1-1 0,-11 18 0,17-23 0,0 1 0,0 0 0,0 0 0,1 1 0,0 0 0,0-1 0,1 1 0,1 1 0,-1-1 0,2 0 0,-1 0 0,1 1 0,0-1 0,1 1 0,2 17 0,0-17 0,1 0 0,1-1 0,-1 0 0,2 0 0,-1 0 0,1 0 0,0 0 0,1-1 0,0 0 0,1 0 0,9 9 0,11 8 0,53 37 0,-74-58 0,26 18 0,1-2 0,0-1 0,1-2 0,1-2 0,1 0 0,0-3 0,66 14 0,-32-14 0,0-3 0,1-4 0,94-3 0,-147-3 0,0 0 0,0-1 0,28-7 0,-40 8 0,0-1 0,-1 0 0,1 0 0,-1 0 0,0-1 0,1 0 0,-1 0 0,-1 0 0,1-1 0,0 1 0,-1-1 0,0 0 0,0-1 0,0 1 0,5-8 0,4-12 0,-1-1 0,-1 0 0,-2-1 0,0 0 0,-2-1 0,0 0 0,-2 0 0,-2 0 0,0-1 0,-1 1 0,-2-1 0,-4-38 0,2 53 0,-1 0 0,0 0 0,0 1 0,-1-1 0,-1 1 0,0 0 0,0 0 0,-2 1 0,1-1 0,-1 1 0,-1 1 0,0-1 0,-1 1 0,1 1 0,-2 0 0,1 0 0,-2 1 0,1 0 0,-1 0 0,0 1 0,0 1 0,-1 0 0,0 1 0,0 0 0,0 0 0,-1 2 0,1-1 0,-1 2 0,-21-3 0,-6 5-1365,5 1-5461</inkml:trace>
+</inkml:ink>
+</file>
+
+<file path=ppt/ink/ink5.xml><?xml version="1.0" encoding="utf-8"?>
+<inkml:ink xmlns:inkml="http://www.w3.org/2003/InkML">
+  <inkml:definitions>
+    <inkml:context xml:id="ctx0">
+      <inkml:inkSource xml:id="inkSrc0">
+        <inkml:traceFormat>
+          <inkml:channel name="X" type="integer" min="-2.14748E9" max="2.14748E9" units="cm"/>
+          <inkml:channel name="Y" type="integer" min="-2.14748E9" max="2.14748E9" units="cm"/>
+          <inkml:channel name="F" type="integer" max="32767" units="dev"/>
+        </inkml:traceFormat>
+        <inkml:channelProperties>
+          <inkml:channelProperty channel="X" name="resolution" value="1000" units="1/cm"/>
+          <inkml:channelProperty channel="Y" name="resolution" value="1000" units="1/cm"/>
+          <inkml:channelProperty channel="F" name="resolution" value="0" units="1/dev"/>
+        </inkml:channelProperties>
+      </inkml:inkSource>
+      <inkml:timestamp xml:id="ts0" timeString="2025-04-24T11:51:15.312"/>
+    </inkml:context>
+    <inkml:brush xml:id="br0">
+      <inkml:brushProperty name="width" value="0.1" units="cm"/>
+      <inkml:brushProperty name="height" value="0.1" units="cm"/>
+      <inkml:brushProperty name="color" value="#E71224"/>
+    </inkml:brush>
+  </inkml:definitions>
+  <inkml:trace contextRef="#ctx0" brushRef="#br0">706 1 24575,'-111'1'0,"-196"29"0,293-28 0,0 2 0,1 0 0,-1 1 0,1 0 0,0 1 0,1 0 0,-1 1 0,1 0 0,0 1 0,1 1 0,0-1 0,1 2 0,-1 0 0,2 0 0,-11 14 0,9-10 0,2 1 0,0 0 0,0 0 0,1 1 0,1 0 0,1 0 0,0 1 0,1-1 0,1 1 0,0 1 0,-1 32 0,4-44 0,-1 36 0,7 81 0,-4-110 0,2 0 0,0 1 0,0-2 0,1 1 0,1 0 0,0-1 0,0 1 0,1-1 0,1-1 0,10 15 0,-4-12 0,1 0 0,0 0 0,1-1 0,0-1 0,1 0 0,0-1 0,1-1 0,1-1 0,-1 0 0,1-1 0,1-1 0,-1-1 0,36 8 0,11-3 0,0-2 0,117 1 0,-151-9 0,-1-2 0,1-1 0,0-2 0,-1-1 0,0-1 0,0-2 0,35-14 0,-49 16 0,0-1 0,0-1 0,-1-1 0,0 0 0,-1-1 0,0 0 0,0-1 0,-1-1 0,-1 0 0,0-1 0,-1 0 0,0-1 0,-1 0 0,10-18 0,-11 14 0,-2 0 0,1 0 0,-2-1 0,0 0 0,-2 0 0,0 0 0,-1-1 0,-1 1 0,0-1 0,-2 0 0,-3-35 0,1 48 0,0-1 0,0 1 0,0 0 0,-1 0 0,0 0 0,-1 0 0,1 1 0,-1-1 0,0 1 0,-1 0 0,0 0 0,0 1 0,0-1 0,-1 1 0,-8-7 0,-11-5 0,0 0 0,-42-20 0,51 29 0,-241-110-560,222 103-245,-20-8-6021</inkml:trace>
+</inkml:ink>
+</file>
+
+<file path=ppt/ink/ink6.xml><?xml version="1.0" encoding="utf-8"?>
+<inkml:ink xmlns:inkml="http://www.w3.org/2003/InkML">
+  <inkml:definitions>
+    <inkml:context xml:id="ctx0">
+      <inkml:inkSource xml:id="inkSrc0">
+        <inkml:traceFormat>
+          <inkml:channel name="X" type="integer" min="-2.14748E9" max="2.14748E9" units="cm"/>
+          <inkml:channel name="Y" type="integer" min="-2.14748E9" max="2.14748E9" units="cm"/>
+          <inkml:channel name="F" type="integer" max="32767" units="dev"/>
+        </inkml:traceFormat>
+        <inkml:channelProperties>
+          <inkml:channelProperty channel="X" name="resolution" value="1000" units="1/cm"/>
+          <inkml:channelProperty channel="Y" name="resolution" value="1000" units="1/cm"/>
+          <inkml:channelProperty channel="F" name="resolution" value="0" units="1/dev"/>
+        </inkml:channelProperties>
+      </inkml:inkSource>
+      <inkml:timestamp xml:id="ts0" timeString="2025-04-24T11:51:18.553"/>
+    </inkml:context>
+    <inkml:brush xml:id="br0">
+      <inkml:brushProperty name="width" value="0.1" units="cm"/>
+      <inkml:brushProperty name="height" value="0.1" units="cm"/>
+      <inkml:brushProperty name="color" value="#E71224"/>
+    </inkml:brush>
+  </inkml:definitions>
+  <inkml:trace contextRef="#ctx0" brushRef="#br0">0 274 24575,'1'-4'0,"0"-1"0,1 1 0,-1-1 0,1 1 0,0 0 0,0 0 0,1 0 0,-1 0 0,1 0 0,-1 0 0,1 1 0,1-1 0,-1 1 0,0 0 0,1 0 0,4-3 0,1-3 0,15-11 0,0 1 0,2 1 0,0 2 0,1 0 0,1 1 0,0 2 0,0 1 0,2 1 0,-1 2 0,1 1 0,32-5 0,27 1 0,0 3 0,139 4 0,-48 13 0,-149-5 0,-1 2 0,0 0 0,53 19 0,-78-22 0,0 0 0,0 0 0,-1 0 0,1 0 0,0 1 0,-1 0 0,0 0 0,0 1 0,0-1 0,0 1 0,0-1 0,-1 1 0,0 1 0,1-1 0,-2 0 0,5 9 0,-4-7 0,-1 0 0,0 0 0,-1 1 0,0-1 0,0 1 0,0-1 0,-1 1 0,0-1 0,0 1 0,-1-1 0,-2 13 0,-1-1 0,-2-1 0,0 0 0,-1 0 0,0-1 0,-1 0 0,-1 0 0,-1-1 0,-21 27 0,11-21 0,-1-1 0,0-1 0,-1 0 0,-1-2 0,-47 27 0,26-20 0,-2-3 0,-72 25 0,117-46 0,-9 4 0,-1 0 0,0-1 0,-1-1 0,1 0 0,-21 2 0,31-4 0,0 0 0,1 0 0,-1 0 0,1 0 0,-1 0 0,0 0 0,1 0 0,-1 0 0,0 0 0,1 0 0,-1-1 0,1 1 0,-1 0 0,0 0 0,1-1 0,-1 1 0,1 0 0,-1-1 0,1 1 0,-1 0 0,1-1 0,-1 0 0,8-7 0,25-6 0,3 5 0,1 3 0,0 1 0,0 1 0,0 3 0,0 0 0,0 2 0,0 2 0,45 10 0,-70-11 0,0 1 0,0 1 0,-1 0 0,1 0 0,-1 1 0,0 0 0,13 10 0,-18-11 0,0 0 0,-1 1 0,1-1 0,-1 1 0,0 0 0,0 0 0,-1 0 0,1 1 0,-1 0 0,0-1 0,-1 1 0,1 0 0,-1 0 0,2 10 0,2 23 0,-2 0 0,0 58 0,1 23 0,10-13 0,-6-55 0,-3 0 0,0 71 0,-6-119 0,-1 1 0,0 0 0,1 0 0,-1 0 0,-1 0 0,1 0 0,-1-1 0,0 1 0,0-1 0,0 1 0,-1-1 0,1 0 0,-1 0 0,0 0 0,-5 5 0,1-3 0,1-1 0,-1 1 0,0-2 0,-1 1 0,1-1 0,-1 0 0,1 0 0,-12 3 0,-9 1 0,0-2 0,0 0 0,-1-2 0,-34 0 0,-56-2-1365,76-3-5461</inkml:trace>
+</inkml:ink>
+</file>
+
+<file path=ppt/ink/ink7.xml><?xml version="1.0" encoding="utf-8"?>
+<inkml:ink xmlns:inkml="http://www.w3.org/2003/InkML">
+  <inkml:definitions>
+    <inkml:context xml:id="ctx0">
+      <inkml:inkSource xml:id="inkSrc0">
+        <inkml:traceFormat>
+          <inkml:channel name="X" type="integer" min="-2.14748E9" max="2.14748E9" units="cm"/>
+          <inkml:channel name="Y" type="integer" min="-2.14748E9" max="2.14748E9" units="cm"/>
+          <inkml:channel name="F" type="integer" max="32767" units="dev"/>
+        </inkml:traceFormat>
+        <inkml:channelProperties>
+          <inkml:channelProperty channel="X" name="resolution" value="1000" units="1/cm"/>
+          <inkml:channelProperty channel="Y" name="resolution" value="1000" units="1/cm"/>
+          <inkml:channelProperty channel="F" name="resolution" value="0" units="1/dev"/>
+        </inkml:channelProperties>
+      </inkml:inkSource>
+      <inkml:timestamp xml:id="ts0" timeString="2025-04-24T11:51:19.532"/>
+    </inkml:context>
+    <inkml:brush xml:id="br0">
+      <inkml:brushProperty name="width" value="0.1" units="cm"/>
+      <inkml:brushProperty name="height" value="0.1" units="cm"/>
+      <inkml:brushProperty name="color" value="#E71224"/>
+    </inkml:brush>
+  </inkml:definitions>
+  <inkml:trace contextRef="#ctx0" brushRef="#br0">345 87 24575,'0'6'0,"-1"-1"0,0 1 0,-1-1 0,1 0 0,-1 0 0,0 0 0,-1 0 0,1 0 0,-1 0 0,0 0 0,0-1 0,-7 9 0,5-7 0,-20 24 0,-1-1 0,-2-2 0,-41 33 0,-46 46 0,110-101 0,0 0 0,1 1 0,-1 0 0,2-1 0,-1 1 0,0 1 0,1-1 0,1 0 0,-1 1 0,-2 7 0,5-11 0,0-1 0,0 1 0,-1-1 0,1 1 0,1-1 0,-1 1 0,0-1 0,0 1 0,1-1 0,0 0 0,-1 1 0,1-1 0,0 0 0,0 1 0,0-1 0,1 0 0,-1 0 0,0 0 0,1 0 0,-1 0 0,1 0 0,0-1 0,0 1 0,0 0 0,0-1 0,0 1 0,0-1 0,0 0 0,0 0 0,0 0 0,3 1 0,9 4 0,-1-2 0,1 1 0,0-2 0,1 0 0,-1-1 0,0 0 0,1-1 0,27-1 0,-9-3 0,0-1 0,57-14 0,-69 12 0,-1 0 0,-1-1 0,0 0 0,0-2 0,0-1 0,-1 0 0,0-1 0,22-18 0,-30 20 0,-1 0 0,0-1 0,0 1 0,-1-2 0,0 1 0,-1-1 0,0 0 0,-1-1 0,0 0 0,-1 0 0,0 0 0,-1 0 0,0-1 0,2-17 0,-2-2 0,-1 0 0,-1 0 0,-3 0 0,-6-58 0,7 87-52,-1 1-1,1-1 1,0 0-1,-1 1 1,0-1-1,1 1 1,-1-1-1,0 1 1,0 0-1,0-1 1,-1 1-1,1 0 1,-1 0-1,1 0 1,-1 0-1,0 0 1,0 0-1,1 0 1,-1 0-1,-1 1 1,1-1-1,0 1 0,0-1 1,0 1-1,-5-2 1,-17-3-6774</inkml:trace>
+</inkml:ink>
+</file>
+
+<file path=ppt/ink/ink8.xml><?xml version="1.0" encoding="utf-8"?>
+<inkml:ink xmlns:inkml="http://www.w3.org/2003/InkML">
+  <inkml:definitions>
+    <inkml:context xml:id="ctx0">
+      <inkml:inkSource xml:id="inkSrc0">
+        <inkml:traceFormat>
+          <inkml:channel name="X" type="integer" min="-2.14748E9" max="2.14748E9" units="cm"/>
+          <inkml:channel name="Y" type="integer" min="-2.14748E9" max="2.14748E9" units="cm"/>
+          <inkml:channel name="F" type="integer" max="32767" units="dev"/>
+        </inkml:traceFormat>
+        <inkml:channelProperties>
+          <inkml:channelProperty channel="X" name="resolution" value="1000" units="1/cm"/>
+          <inkml:channelProperty channel="Y" name="resolution" value="1000" units="1/cm"/>
+          <inkml:channelProperty channel="F" name="resolution" value="0" units="1/dev"/>
+        </inkml:channelProperties>
+      </inkml:inkSource>
+      <inkml:timestamp xml:id="ts0" timeString="2025-04-24T11:51:21.007"/>
+    </inkml:context>
+    <inkml:brush xml:id="br0">
+      <inkml:brushProperty name="width" value="0.1" units="cm"/>
+      <inkml:brushProperty name="height" value="0.1" units="cm"/>
+      <inkml:brushProperty name="color" value="#E71224"/>
+    </inkml:brush>
+  </inkml:definitions>
+  <inkml:trace contextRef="#ctx0" brushRef="#br0">1 0 24575,'0'7'0,"1"0"0,0 0 0,1 0 0,2 10 0,4 13 0,84 501 0,-89-520 0,-1 4 0,1 0 0,1-1 0,1 0 0,11 25 0,-16-38 0,0-1 0,0 0 0,0 1 0,0-1 0,0 0 0,0 0 0,0 1 0,0-1 0,1 0 0,-1 1 0,0-1 0,0 0 0,0 0 0,0 1 0,1-1 0,-1 0 0,0 0 0,0 0 0,0 1 0,1-1 0,-1 0 0,0 0 0,0 0 0,1 0 0,-1 1 0,0-1 0,0 0 0,1 0 0,-1 0 0,0 0 0,1 0 0,-1 0 0,0 0 0,0 0 0,1 0 0,-1 0 0,0 0 0,1 0 0,-1 0 0,0 0 0,1 0 0,-1 0 0,6-15 0,-1-27 0,-5 40 0,2-215 0,-2 27 0,0 183 0,1-1 0,-1 1 0,1 0 0,1-1 0,-1 1 0,1 0 0,1 0 0,-1 0 0,1 0 0,4-7 0,-5 11 0,1 0 0,-1 0 0,1 0 0,0 0 0,0 0 0,0 1 0,0-1 0,0 1 0,1 0 0,-1 0 0,1 0 0,-1 1 0,1-1 0,0 1 0,-1 0 0,1 0 0,0 0 0,0 0 0,0 1 0,7-1 0,0 1 24,1 0 0,0 0 0,-1 1 0,20 5 0,-25-5-159,0 1 0,0 0 0,0 0 0,-1 0 0,1 1 0,-1 0 0,0 0 0,0 0 0,0 0 0,8 9 0,6 11-6691</inkml:trace>
+</inkml:ink>
+</file>
+
+<file path=ppt/ink/ink9.xml><?xml version="1.0" encoding="utf-8"?>
+<inkml:ink xmlns:inkml="http://www.w3.org/2003/InkML">
+  <inkml:definitions>
+    <inkml:context xml:id="ctx0">
+      <inkml:inkSource xml:id="inkSrc0">
+        <inkml:traceFormat>
+          <inkml:channel name="X" type="integer" min="-2.14748E9" max="2.14748E9" units="cm"/>
+          <inkml:channel name="Y" type="integer" min="-2.14748E9" max="2.14748E9" units="cm"/>
+          <inkml:channel name="F" type="integer" max="32767" units="dev"/>
+        </inkml:traceFormat>
+        <inkml:channelProperties>
+          <inkml:channelProperty channel="X" name="resolution" value="1000" units="1/cm"/>
+          <inkml:channelProperty channel="Y" name="resolution" value="1000" units="1/cm"/>
+          <inkml:channelProperty channel="F" name="resolution" value="0" units="1/dev"/>
+        </inkml:channelProperties>
+      </inkml:inkSource>
+      <inkml:timestamp xml:id="ts0" timeString="2025-04-24T11:51:22.322"/>
+    </inkml:context>
+    <inkml:brush xml:id="br0">
+      <inkml:brushProperty name="width" value="0.1" units="cm"/>
+      <inkml:brushProperty name="height" value="0.1" units="cm"/>
+      <inkml:brushProperty name="color" value="#E71224"/>
+    </inkml:brush>
+  </inkml:definitions>
+  <inkml:trace contextRef="#ctx0" brushRef="#br0">29 0 24575,'-5'11'0,"1"0"0,0-1 0,1 2 0,1-1 0,-1 0 0,1 12 0,-1 73 0,2-53 0,0 398 0,2-285 0,-2-150 0,1 1 0,1-1 0,-1 1 0,1-1 0,0 1 0,1-1 0,-1 1 0,3 5 0,-2-10 0,-1 0 0,0 0 0,0-1 0,0 1 0,1 0 0,-1-1 0,1 1 0,0-1 0,-1 0 0,1 1 0,0-1 0,0 0 0,-1 0 0,1 0 0,0-1 0,0 1 0,0 0 0,0-1 0,0 1 0,1-1 0,-1 1 0,0-1 0,0 0 0,0 0 0,0 0 0,0 0 0,0-1 0,3 1 0,24-5 0,0 0 0,38-13 0,8-2 0,29 1-16,172-11-1,109 21 166,85-7-1630,-363 5-5345</inkml:trace>
+</inkml:ink>
+</file>
+
 <file path=ppt/notesMasters/notesMaster1.xml><?xml version="1.0" encoding="utf-8"?>
 <p:notesMaster xmlns:a="http://schemas.openxmlformats.org/drawingml/2006/main" xmlns:r="http://schemas.openxmlformats.org/officeDocument/2006/relationships" xmlns:p="http://schemas.openxmlformats.org/presentationml/2006/main">
   <p:cSld>
@@ -466,7 +718,7 @@
           <a:p>
             <a:fld id="{9CE0A2B6-13AF-49FC-B15E-7C72D3DC1C29}" type="datetimeFigureOut">
               <a:rPr lang="en-US" smtClean="0"/>
-              <a:t>1/18/2024</a:t>
+              <a:t>4/24/2025</a:t>
             </a:fld>
             <a:endParaRPr lang="en-US"/>
           </a:p>
@@ -880,7 +1132,7 @@
           <a:p>
             <a:fld id="{522B27BC-DF25-44C8-995F-D41C7A94349F}" type="datetimeFigureOut">
               <a:rPr lang="en-US" smtClean="0"/>
-              <a:t>1/18/2024</a:t>
+              <a:t>4/24/2025</a:t>
             </a:fld>
             <a:endParaRPr lang="en-US"/>
           </a:p>
@@ -1078,7 +1330,7 @@
           <a:p>
             <a:fld id="{522B27BC-DF25-44C8-995F-D41C7A94349F}" type="datetimeFigureOut">
               <a:rPr lang="en-US" smtClean="0"/>
-              <a:t>1/18/2024</a:t>
+              <a:t>4/24/2025</a:t>
             </a:fld>
             <a:endParaRPr lang="en-US"/>
           </a:p>
@@ -1286,7 +1538,7 @@
           <a:p>
             <a:fld id="{522B27BC-DF25-44C8-995F-D41C7A94349F}" type="datetimeFigureOut">
               <a:rPr lang="en-US" smtClean="0"/>
-              <a:t>1/18/2024</a:t>
+              <a:t>4/24/2025</a:t>
             </a:fld>
             <a:endParaRPr lang="en-US"/>
           </a:p>
@@ -1484,7 +1736,7 @@
           <a:p>
             <a:fld id="{522B27BC-DF25-44C8-995F-D41C7A94349F}" type="datetimeFigureOut">
               <a:rPr lang="en-US" smtClean="0"/>
-              <a:t>1/18/2024</a:t>
+              <a:t>4/24/2025</a:t>
             </a:fld>
             <a:endParaRPr lang="en-US"/>
           </a:p>
@@ -1759,7 +2011,7 @@
           <a:p>
             <a:fld id="{522B27BC-DF25-44C8-995F-D41C7A94349F}" type="datetimeFigureOut">
               <a:rPr lang="en-US" smtClean="0"/>
-              <a:t>1/18/2024</a:t>
+              <a:t>4/24/2025</a:t>
             </a:fld>
             <a:endParaRPr lang="en-US"/>
           </a:p>
@@ -2024,7 +2276,7 @@
           <a:p>
             <a:fld id="{522B27BC-DF25-44C8-995F-D41C7A94349F}" type="datetimeFigureOut">
               <a:rPr lang="en-US" smtClean="0"/>
-              <a:t>1/18/2024</a:t>
+              <a:t>4/24/2025</a:t>
             </a:fld>
             <a:endParaRPr lang="en-US"/>
           </a:p>
@@ -2436,7 +2688,7 @@
           <a:p>
             <a:fld id="{522B27BC-DF25-44C8-995F-D41C7A94349F}" type="datetimeFigureOut">
               <a:rPr lang="en-US" smtClean="0"/>
-              <a:t>1/18/2024</a:t>
+              <a:t>4/24/2025</a:t>
             </a:fld>
             <a:endParaRPr lang="en-US"/>
           </a:p>
@@ -2577,7 +2829,7 @@
           <a:p>
             <a:fld id="{522B27BC-DF25-44C8-995F-D41C7A94349F}" type="datetimeFigureOut">
               <a:rPr lang="en-US" smtClean="0"/>
-              <a:t>1/18/2024</a:t>
+              <a:t>4/24/2025</a:t>
             </a:fld>
             <a:endParaRPr lang="en-US"/>
           </a:p>
@@ -2690,7 +2942,7 @@
           <a:p>
             <a:fld id="{522B27BC-DF25-44C8-995F-D41C7A94349F}" type="datetimeFigureOut">
               <a:rPr lang="en-US" smtClean="0"/>
-              <a:t>1/18/2024</a:t>
+              <a:t>4/24/2025</a:t>
             </a:fld>
             <a:endParaRPr lang="en-US"/>
           </a:p>
@@ -3001,7 +3253,7 @@
           <a:p>
             <a:fld id="{522B27BC-DF25-44C8-995F-D41C7A94349F}" type="datetimeFigureOut">
               <a:rPr lang="en-US" smtClean="0"/>
-              <a:t>1/18/2024</a:t>
+              <a:t>4/24/2025</a:t>
             </a:fld>
             <a:endParaRPr lang="en-US"/>
           </a:p>
@@ -3289,7 +3541,7 @@
           <a:p>
             <a:fld id="{522B27BC-DF25-44C8-995F-D41C7A94349F}" type="datetimeFigureOut">
               <a:rPr lang="en-US" smtClean="0"/>
-              <a:t>1/18/2024</a:t>
+              <a:t>4/24/2025</a:t>
             </a:fld>
             <a:endParaRPr lang="en-US"/>
           </a:p>
@@ -3530,7 +3782,7 @@
           <a:p>
             <a:fld id="{522B27BC-DF25-44C8-995F-D41C7A94349F}" type="datetimeFigureOut">
               <a:rPr lang="en-US" smtClean="0"/>
-              <a:t>1/18/2024</a:t>
+              <a:t>4/24/2025</a:t>
             </a:fld>
             <a:endParaRPr lang="en-US"/>
           </a:p>
@@ -4096,14 +4348,13 @@
         </p:nvPicPr>
         <p:blipFill>
           <a:blip r:embed="rId2"/>
-          <a:stretch>
-            <a:fillRect/>
-          </a:stretch>
+          <a:srcRect t="34436"/>
+          <a:stretch/>
         </p:blipFill>
         <p:spPr>
           <a:xfrm>
-            <a:off x="328669" y="0"/>
-            <a:ext cx="11534661" cy="6858000"/>
+            <a:off x="32575" y="3455509"/>
+            <a:ext cx="11534661" cy="4496368"/>
           </a:xfrm>
           <a:prstGeom prst="rect">
             <a:avLst/>
@@ -4212,6 +4463,537 @@
           </p:pic>
         </mc:Fallback>
       </mc:AlternateContent>
+      <p:pic>
+        <p:nvPicPr>
+          <p:cNvPr id="5" name="Picture 4">
+            <a:extLst>
+              <a:ext uri="{FF2B5EF4-FFF2-40B4-BE49-F238E27FC236}">
+                <a16:creationId xmlns:a16="http://schemas.microsoft.com/office/drawing/2014/main" id="{51E6B2DE-C497-C907-591E-4D15E6CB568F}"/>
+              </a:ext>
+            </a:extLst>
+          </p:cNvPr>
+          <p:cNvPicPr>
+            <a:picLocks noChangeAspect="1"/>
+          </p:cNvPicPr>
+          <p:nvPr/>
+        </p:nvPicPr>
+        <p:blipFill>
+          <a:blip r:embed="rId7"/>
+          <a:stretch>
+            <a:fillRect/>
+          </a:stretch>
+        </p:blipFill>
+        <p:spPr>
+          <a:xfrm>
+            <a:off x="-1" y="-117033"/>
+            <a:ext cx="12192000" cy="3458782"/>
+          </a:xfrm>
+          <a:prstGeom prst="rect">
+            <a:avLst/>
+          </a:prstGeom>
+        </p:spPr>
+      </p:pic>
+      <p:grpSp>
+        <p:nvGrpSpPr>
+          <p:cNvPr id="10" name="Group 9">
+            <a:extLst>
+              <a:ext uri="{FF2B5EF4-FFF2-40B4-BE49-F238E27FC236}">
+                <a16:creationId xmlns:a16="http://schemas.microsoft.com/office/drawing/2014/main" id="{A9A4B7E7-B9D6-AE1D-7D11-005AE5B83C75}"/>
+              </a:ext>
+            </a:extLst>
+          </p:cNvPr>
+          <p:cNvGrpSpPr/>
+          <p:nvPr/>
+        </p:nvGrpSpPr>
+        <p:grpSpPr>
+          <a:xfrm>
+            <a:off x="873850" y="777845"/>
+            <a:ext cx="472680" cy="1108080"/>
+            <a:chOff x="873850" y="777845"/>
+            <a:chExt cx="472680" cy="1108080"/>
+          </a:xfrm>
+        </p:grpSpPr>
+        <mc:AlternateContent xmlns:mc="http://schemas.openxmlformats.org/markup-compatibility/2006" xmlns:p14="http://schemas.microsoft.com/office/powerpoint/2010/main">
+          <mc:Choice Requires="p14">
+            <p:contentPart p14:bwMode="auto" r:id="rId8">
+              <p14:nvContentPartPr>
+                <p14:cNvPr id="7" name="Ink 6">
+                  <a:extLst>
+                    <a:ext uri="{FF2B5EF4-FFF2-40B4-BE49-F238E27FC236}">
+                      <a16:creationId xmlns:a16="http://schemas.microsoft.com/office/drawing/2014/main" id="{4300938E-D7B1-9930-BF0F-D451850BD8E1}"/>
+                    </a:ext>
+                  </a:extLst>
+                </p14:cNvPr>
+                <p14:cNvContentPartPr/>
+                <p14:nvPr/>
+              </p14:nvContentPartPr>
+              <p14:xfrm>
+                <a:off x="912730" y="777845"/>
+                <a:ext cx="433800" cy="284040"/>
+              </p14:xfrm>
+            </p:contentPart>
+          </mc:Choice>
+          <mc:Fallback xmlns="">
+            <p:pic>
+              <p:nvPicPr>
+                <p:cNvPr id="7" name="Ink 6">
+                  <a:extLst>
+                    <a:ext uri="{FF2B5EF4-FFF2-40B4-BE49-F238E27FC236}">
+                      <a16:creationId xmlns:a16="http://schemas.microsoft.com/office/drawing/2014/main" id="{4300938E-D7B1-9930-BF0F-D451850BD8E1}"/>
+                    </a:ext>
+                  </a:extLst>
+                </p:cNvPr>
+                <p:cNvPicPr/>
+                <p:nvPr/>
+              </p:nvPicPr>
+              <p:blipFill>
+                <a:blip r:embed="rId9"/>
+                <a:stretch>
+                  <a:fillRect/>
+                </a:stretch>
+              </p:blipFill>
+              <p:spPr>
+                <a:xfrm>
+                  <a:off x="895090" y="759845"/>
+                  <a:ext cx="469440" cy="319680"/>
+                </a:xfrm>
+                <a:prstGeom prst="rect">
+                  <a:avLst/>
+                </a:prstGeom>
+              </p:spPr>
+            </p:pic>
+          </mc:Fallback>
+        </mc:AlternateContent>
+        <mc:AlternateContent xmlns:mc="http://schemas.openxmlformats.org/markup-compatibility/2006" xmlns:p14="http://schemas.microsoft.com/office/powerpoint/2010/main">
+          <mc:Choice Requires="p14">
+            <p:contentPart p14:bwMode="auto" r:id="rId10">
+              <p14:nvContentPartPr>
+                <p14:cNvPr id="8" name="Ink 7">
+                  <a:extLst>
+                    <a:ext uri="{FF2B5EF4-FFF2-40B4-BE49-F238E27FC236}">
+                      <a16:creationId xmlns:a16="http://schemas.microsoft.com/office/drawing/2014/main" id="{9896AA3B-AED2-D601-467E-DC39880AA2AB}"/>
+                    </a:ext>
+                  </a:extLst>
+                </p14:cNvPr>
+                <p14:cNvContentPartPr/>
+                <p14:nvPr/>
+              </p14:nvContentPartPr>
+              <p14:xfrm>
+                <a:off x="885010" y="1158725"/>
+                <a:ext cx="418680" cy="302400"/>
+              </p14:xfrm>
+            </p:contentPart>
+          </mc:Choice>
+          <mc:Fallback xmlns="">
+            <p:pic>
+              <p:nvPicPr>
+                <p:cNvPr id="8" name="Ink 7">
+                  <a:extLst>
+                    <a:ext uri="{FF2B5EF4-FFF2-40B4-BE49-F238E27FC236}">
+                      <a16:creationId xmlns:a16="http://schemas.microsoft.com/office/drawing/2014/main" id="{9896AA3B-AED2-D601-467E-DC39880AA2AB}"/>
+                    </a:ext>
+                  </a:extLst>
+                </p:cNvPr>
+                <p:cNvPicPr/>
+                <p:nvPr/>
+              </p:nvPicPr>
+              <p:blipFill>
+                <a:blip r:embed="rId11"/>
+                <a:stretch>
+                  <a:fillRect/>
+                </a:stretch>
+              </p:blipFill>
+              <p:spPr>
+                <a:xfrm>
+                  <a:off x="867010" y="1141085"/>
+                  <a:ext cx="454320" cy="338040"/>
+                </a:xfrm>
+                <a:prstGeom prst="rect">
+                  <a:avLst/>
+                </a:prstGeom>
+              </p:spPr>
+            </p:pic>
+          </mc:Fallback>
+        </mc:AlternateContent>
+        <mc:AlternateContent xmlns:mc="http://schemas.openxmlformats.org/markup-compatibility/2006" xmlns:p14="http://schemas.microsoft.com/office/powerpoint/2010/main">
+          <mc:Choice Requires="p14">
+            <p:contentPart p14:bwMode="auto" r:id="rId12">
+              <p14:nvContentPartPr>
+                <p14:cNvPr id="9" name="Ink 8">
+                  <a:extLst>
+                    <a:ext uri="{FF2B5EF4-FFF2-40B4-BE49-F238E27FC236}">
+                      <a16:creationId xmlns:a16="http://schemas.microsoft.com/office/drawing/2014/main" id="{3F61B7B4-D763-EDE7-994D-2749437F3BC6}"/>
+                    </a:ext>
+                  </a:extLst>
+                </p14:cNvPr>
+                <p14:cNvContentPartPr/>
+                <p14:nvPr/>
+              </p14:nvContentPartPr>
+              <p14:xfrm>
+                <a:off x="873850" y="1565885"/>
+                <a:ext cx="424440" cy="320040"/>
+              </p14:xfrm>
+            </p:contentPart>
+          </mc:Choice>
+          <mc:Fallback xmlns="">
+            <p:pic>
+              <p:nvPicPr>
+                <p:cNvPr id="9" name="Ink 8">
+                  <a:extLst>
+                    <a:ext uri="{FF2B5EF4-FFF2-40B4-BE49-F238E27FC236}">
+                      <a16:creationId xmlns:a16="http://schemas.microsoft.com/office/drawing/2014/main" id="{3F61B7B4-D763-EDE7-994D-2749437F3BC6}"/>
+                    </a:ext>
+                  </a:extLst>
+                </p:cNvPr>
+                <p:cNvPicPr/>
+                <p:nvPr/>
+              </p:nvPicPr>
+              <p:blipFill>
+                <a:blip r:embed="rId13"/>
+                <a:stretch>
+                  <a:fillRect/>
+                </a:stretch>
+              </p:blipFill>
+              <p:spPr>
+                <a:xfrm>
+                  <a:off x="855850" y="1548245"/>
+                  <a:ext cx="460080" cy="355680"/>
+                </a:xfrm>
+                <a:prstGeom prst="rect">
+                  <a:avLst/>
+                </a:prstGeom>
+              </p:spPr>
+            </p:pic>
+          </mc:Fallback>
+        </mc:AlternateContent>
+      </p:grpSp>
+      <p:grpSp>
+        <p:nvGrpSpPr>
+          <p:cNvPr id="29" name="Group 28">
+            <a:extLst>
+              <a:ext uri="{FF2B5EF4-FFF2-40B4-BE49-F238E27FC236}">
+                <a16:creationId xmlns:a16="http://schemas.microsoft.com/office/drawing/2014/main" id="{7E1CAF6B-716B-090D-C63A-B7D38ABA8415}"/>
+              </a:ext>
+            </a:extLst>
+          </p:cNvPr>
+          <p:cNvGrpSpPr/>
+          <p:nvPr/>
+        </p:nvGrpSpPr>
+        <p:grpSpPr>
+          <a:xfrm>
+            <a:off x="4746730" y="797645"/>
+            <a:ext cx="2018160" cy="873000"/>
+            <a:chOff x="4746730" y="797645"/>
+            <a:chExt cx="2018160" cy="873000"/>
+          </a:xfrm>
+        </p:grpSpPr>
+        <mc:AlternateContent xmlns:mc="http://schemas.openxmlformats.org/markup-compatibility/2006" xmlns:p14="http://schemas.microsoft.com/office/powerpoint/2010/main">
+          <mc:Choice Requires="p14">
+            <p:contentPart p14:bwMode="auto" r:id="rId14">
+              <p14:nvContentPartPr>
+                <p14:cNvPr id="11" name="Ink 10">
+                  <a:extLst>
+                    <a:ext uri="{FF2B5EF4-FFF2-40B4-BE49-F238E27FC236}">
+                      <a16:creationId xmlns:a16="http://schemas.microsoft.com/office/drawing/2014/main" id="{607255AF-8532-D6AC-89A8-463D8C3166FF}"/>
+                    </a:ext>
+                  </a:extLst>
+                </p14:cNvPr>
+                <p14:cNvContentPartPr/>
+                <p14:nvPr/>
+              </p14:nvContentPartPr>
+              <p14:xfrm>
+                <a:off x="4746730" y="951725"/>
+                <a:ext cx="466560" cy="538920"/>
+              </p14:xfrm>
+            </p:contentPart>
+          </mc:Choice>
+          <mc:Fallback xmlns="">
+            <p:pic>
+              <p:nvPicPr>
+                <p:cNvPr id="11" name="Ink 10">
+                  <a:extLst>
+                    <a:ext uri="{FF2B5EF4-FFF2-40B4-BE49-F238E27FC236}">
+                      <a16:creationId xmlns:a16="http://schemas.microsoft.com/office/drawing/2014/main" id="{607255AF-8532-D6AC-89A8-463D8C3166FF}"/>
+                    </a:ext>
+                  </a:extLst>
+                </p:cNvPr>
+                <p:cNvPicPr/>
+                <p:nvPr/>
+              </p:nvPicPr>
+              <p:blipFill>
+                <a:blip r:embed="rId15"/>
+                <a:stretch>
+                  <a:fillRect/>
+                </a:stretch>
+              </p:blipFill>
+              <p:spPr>
+                <a:xfrm>
+                  <a:off x="4728730" y="934085"/>
+                  <a:ext cx="502200" cy="574560"/>
+                </a:xfrm>
+                <a:prstGeom prst="rect">
+                  <a:avLst/>
+                </a:prstGeom>
+              </p:spPr>
+            </p:pic>
+          </mc:Fallback>
+        </mc:AlternateContent>
+        <mc:AlternateContent xmlns:mc="http://schemas.openxmlformats.org/markup-compatibility/2006" xmlns:p14="http://schemas.microsoft.com/office/powerpoint/2010/main">
+          <mc:Choice Requires="p14">
+            <p:contentPart p14:bwMode="auto" r:id="rId16">
+              <p14:nvContentPartPr>
+                <p14:cNvPr id="12" name="Ink 11">
+                  <a:extLst>
+                    <a:ext uri="{FF2B5EF4-FFF2-40B4-BE49-F238E27FC236}">
+                      <a16:creationId xmlns:a16="http://schemas.microsoft.com/office/drawing/2014/main" id="{216574A1-4BCB-80A0-BA53-D9D9D3741947}"/>
+                    </a:ext>
+                  </a:extLst>
+                </p14:cNvPr>
+                <p14:cNvContentPartPr/>
+                <p14:nvPr/>
+              </p14:nvContentPartPr>
+              <p14:xfrm>
+                <a:off x="5488330" y="1213445"/>
+                <a:ext cx="235800" cy="210240"/>
+              </p14:xfrm>
+            </p:contentPart>
+          </mc:Choice>
+          <mc:Fallback xmlns="">
+            <p:pic>
+              <p:nvPicPr>
+                <p:cNvPr id="12" name="Ink 11">
+                  <a:extLst>
+                    <a:ext uri="{FF2B5EF4-FFF2-40B4-BE49-F238E27FC236}">
+                      <a16:creationId xmlns:a16="http://schemas.microsoft.com/office/drawing/2014/main" id="{216574A1-4BCB-80A0-BA53-D9D9D3741947}"/>
+                    </a:ext>
+                  </a:extLst>
+                </p:cNvPr>
+                <p:cNvPicPr/>
+                <p:nvPr/>
+              </p:nvPicPr>
+              <p:blipFill>
+                <a:blip r:embed="rId17"/>
+                <a:stretch>
+                  <a:fillRect/>
+                </a:stretch>
+              </p:blipFill>
+              <p:spPr>
+                <a:xfrm>
+                  <a:off x="5470330" y="1195445"/>
+                  <a:ext cx="271440" cy="245880"/>
+                </a:xfrm>
+                <a:prstGeom prst="rect">
+                  <a:avLst/>
+                </a:prstGeom>
+              </p:spPr>
+            </p:pic>
+          </mc:Fallback>
+        </mc:AlternateContent>
+        <mc:AlternateContent xmlns:mc="http://schemas.openxmlformats.org/markup-compatibility/2006" xmlns:p14="http://schemas.microsoft.com/office/powerpoint/2010/main">
+          <mc:Choice Requires="p14">
+            <p:contentPart p14:bwMode="auto" r:id="rId18">
+              <p14:nvContentPartPr>
+                <p14:cNvPr id="14" name="Ink 13">
+                  <a:extLst>
+                    <a:ext uri="{FF2B5EF4-FFF2-40B4-BE49-F238E27FC236}">
+                      <a16:creationId xmlns:a16="http://schemas.microsoft.com/office/drawing/2014/main" id="{CC9DE314-810F-3F4D-D2E5-DFFA58192F64}"/>
+                    </a:ext>
+                  </a:extLst>
+                </p14:cNvPr>
+                <p14:cNvContentPartPr/>
+                <p14:nvPr/>
+              </p14:nvContentPartPr>
+              <p14:xfrm>
+                <a:off x="5787490" y="1176725"/>
+                <a:ext cx="154080" cy="259920"/>
+              </p14:xfrm>
+            </p:contentPart>
+          </mc:Choice>
+          <mc:Fallback xmlns="">
+            <p:pic>
+              <p:nvPicPr>
+                <p:cNvPr id="14" name="Ink 13">
+                  <a:extLst>
+                    <a:ext uri="{FF2B5EF4-FFF2-40B4-BE49-F238E27FC236}">
+                      <a16:creationId xmlns:a16="http://schemas.microsoft.com/office/drawing/2014/main" id="{CC9DE314-810F-3F4D-D2E5-DFFA58192F64}"/>
+                    </a:ext>
+                  </a:extLst>
+                </p:cNvPr>
+                <p:cNvPicPr/>
+                <p:nvPr/>
+              </p:nvPicPr>
+              <p:blipFill>
+                <a:blip r:embed="rId19"/>
+                <a:stretch>
+                  <a:fillRect/>
+                </a:stretch>
+              </p:blipFill>
+              <p:spPr>
+                <a:xfrm>
+                  <a:off x="5769850" y="1158725"/>
+                  <a:ext cx="189720" cy="295560"/>
+                </a:xfrm>
+                <a:prstGeom prst="rect">
+                  <a:avLst/>
+                </a:prstGeom>
+              </p:spPr>
+            </p:pic>
+          </mc:Fallback>
+        </mc:AlternateContent>
+        <mc:AlternateContent xmlns:mc="http://schemas.openxmlformats.org/markup-compatibility/2006" xmlns:p14="http://schemas.microsoft.com/office/powerpoint/2010/main">
+          <mc:Choice Requires="p14">
+            <p:contentPart p14:bwMode="auto" r:id="rId20">
+              <p14:nvContentPartPr>
+                <p14:cNvPr id="15" name="Ink 14">
+                  <a:extLst>
+                    <a:ext uri="{FF2B5EF4-FFF2-40B4-BE49-F238E27FC236}">
+                      <a16:creationId xmlns:a16="http://schemas.microsoft.com/office/drawing/2014/main" id="{80E20CEE-DB3C-3C9F-C0CC-94543614F67D}"/>
+                    </a:ext>
+                  </a:extLst>
+                </p14:cNvPr>
+                <p14:cNvContentPartPr/>
+                <p14:nvPr/>
+              </p14:nvContentPartPr>
+              <p14:xfrm>
+                <a:off x="6186010" y="845885"/>
+                <a:ext cx="578880" cy="329760"/>
+              </p14:xfrm>
+            </p:contentPart>
+          </mc:Choice>
+          <mc:Fallback xmlns="">
+            <p:pic>
+              <p:nvPicPr>
+                <p:cNvPr id="15" name="Ink 14">
+                  <a:extLst>
+                    <a:ext uri="{FF2B5EF4-FFF2-40B4-BE49-F238E27FC236}">
+                      <a16:creationId xmlns:a16="http://schemas.microsoft.com/office/drawing/2014/main" id="{80E20CEE-DB3C-3C9F-C0CC-94543614F67D}"/>
+                    </a:ext>
+                  </a:extLst>
+                </p:cNvPr>
+                <p:cNvPicPr/>
+                <p:nvPr/>
+              </p:nvPicPr>
+              <p:blipFill>
+                <a:blip r:embed="rId21"/>
+                <a:stretch>
+                  <a:fillRect/>
+                </a:stretch>
+              </p:blipFill>
+              <p:spPr>
+                <a:xfrm>
+                  <a:off x="6168370" y="827885"/>
+                  <a:ext cx="614520" cy="365400"/>
+                </a:xfrm>
+                <a:prstGeom prst="rect">
+                  <a:avLst/>
+                </a:prstGeom>
+              </p:spPr>
+            </p:pic>
+          </mc:Fallback>
+        </mc:AlternateContent>
+        <mc:AlternateContent xmlns:mc="http://schemas.openxmlformats.org/markup-compatibility/2006" xmlns:p14="http://schemas.microsoft.com/office/powerpoint/2010/main">
+          <mc:Choice Requires="p14">
+            <p:contentPart p14:bwMode="auto" r:id="rId22">
+              <p14:nvContentPartPr>
+                <p14:cNvPr id="16" name="Ink 15">
+                  <a:extLst>
+                    <a:ext uri="{FF2B5EF4-FFF2-40B4-BE49-F238E27FC236}">
+                      <a16:creationId xmlns:a16="http://schemas.microsoft.com/office/drawing/2014/main" id="{B4B90D0D-1309-AF16-F79E-603DF7B4BBBB}"/>
+                    </a:ext>
+                  </a:extLst>
+                </p14:cNvPr>
+                <p14:cNvContentPartPr/>
+                <p14:nvPr/>
+              </p14:nvContentPartPr>
+              <p14:xfrm>
+                <a:off x="6516850" y="797645"/>
+                <a:ext cx="10440" cy="873000"/>
+              </p14:xfrm>
+            </p:contentPart>
+          </mc:Choice>
+          <mc:Fallback xmlns="">
+            <p:pic>
+              <p:nvPicPr>
+                <p:cNvPr id="16" name="Ink 15">
+                  <a:extLst>
+                    <a:ext uri="{FF2B5EF4-FFF2-40B4-BE49-F238E27FC236}">
+                      <a16:creationId xmlns:a16="http://schemas.microsoft.com/office/drawing/2014/main" id="{B4B90D0D-1309-AF16-F79E-603DF7B4BBBB}"/>
+                    </a:ext>
+                  </a:extLst>
+                </p:cNvPr>
+                <p:cNvPicPr/>
+                <p:nvPr/>
+              </p:nvPicPr>
+              <p:blipFill>
+                <a:blip r:embed="rId23"/>
+                <a:stretch>
+                  <a:fillRect/>
+                </a:stretch>
+              </p:blipFill>
+              <p:spPr>
+                <a:xfrm>
+                  <a:off x="6499210" y="779645"/>
+                  <a:ext cx="46080" cy="908640"/>
+                </a:xfrm>
+                <a:prstGeom prst="rect">
+                  <a:avLst/>
+                </a:prstGeom>
+              </p:spPr>
+            </p:pic>
+          </mc:Fallback>
+        </mc:AlternateContent>
+        <mc:AlternateContent xmlns:mc="http://schemas.openxmlformats.org/markup-compatibility/2006" xmlns:p14="http://schemas.microsoft.com/office/powerpoint/2010/main">
+          <mc:Choice Requires="p14">
+            <p:contentPart p14:bwMode="auto" r:id="rId24">
+              <p14:nvContentPartPr>
+                <p14:cNvPr id="28" name="Ink 27">
+                  <a:extLst>
+                    <a:ext uri="{FF2B5EF4-FFF2-40B4-BE49-F238E27FC236}">
+                      <a16:creationId xmlns:a16="http://schemas.microsoft.com/office/drawing/2014/main" id="{4C9AC8BC-9D9A-14EB-F577-77319B41BECD}"/>
+                    </a:ext>
+                  </a:extLst>
+                </p14:cNvPr>
+                <p14:cNvContentPartPr/>
+                <p14:nvPr/>
+              </p14:nvContentPartPr>
+              <p14:xfrm>
+                <a:off x="5602810" y="1224965"/>
+                <a:ext cx="149040" cy="10440"/>
+              </p14:xfrm>
+            </p:contentPart>
+          </mc:Choice>
+          <mc:Fallback xmlns="">
+            <p:pic>
+              <p:nvPicPr>
+                <p:cNvPr id="28" name="Ink 27">
+                  <a:extLst>
+                    <a:ext uri="{FF2B5EF4-FFF2-40B4-BE49-F238E27FC236}">
+                      <a16:creationId xmlns:a16="http://schemas.microsoft.com/office/drawing/2014/main" id="{4C9AC8BC-9D9A-14EB-F577-77319B41BECD}"/>
+                    </a:ext>
+                  </a:extLst>
+                </p:cNvPr>
+                <p:cNvPicPr/>
+                <p:nvPr/>
+              </p:nvPicPr>
+              <p:blipFill>
+                <a:blip r:embed="rId25"/>
+                <a:stretch>
+                  <a:fillRect/>
+                </a:stretch>
+              </p:blipFill>
+              <p:spPr>
+                <a:xfrm>
+                  <a:off x="5584810" y="1206965"/>
+                  <a:ext cx="184680" cy="46080"/>
+                </a:xfrm>
+                <a:prstGeom prst="rect">
+                  <a:avLst/>
+                </a:prstGeom>
+              </p:spPr>
+            </p:pic>
+          </mc:Fallback>
+        </mc:AlternateContent>
+      </p:grpSp>
     </p:spTree>
     <p:extLst>
       <p:ext uri="{BB962C8B-B14F-4D97-AF65-F5344CB8AC3E}">
@@ -4504,6 +5286,27 @@
             <a:r>
               <a:rPr lang="en-US" dirty="0"/>
               <a:t>Make sure to complete surveys!</a:t>
+            </a:r>
+          </a:p>
+          <a:p>
+            <a:endParaRPr lang="en-US" dirty="0"/>
+          </a:p>
+          <a:p>
+            <a:pPr marL="0" indent="0">
+              <a:buNone/>
+            </a:pPr>
+            <a:endParaRPr lang="en-US" dirty="0"/>
+          </a:p>
+          <a:p>
+            <a:r>
+              <a:rPr lang="en-US" dirty="0"/>
+              <a:t>2 pairs may be combined to be a team of 4</a:t>
+            </a:r>
+          </a:p>
+          <a:p>
+            <a:r>
+              <a:rPr lang="en-US" dirty="0"/>
+              <a:t>3 students requesting each other can be a team of 3</a:t>
             </a:r>
           </a:p>
         </p:txBody>
